--- a/X Presentation.pptx
+++ b/X Presentation.pptx
@@ -5,10 +5,10 @@
     <p:sldMasterId id="2147483648" r:id="rId2"/>
   </p:sldMasterIdLst>
   <p:notesMasterIdLst>
-    <p:notesMasterId r:id="rId39"/>
+    <p:notesMasterId r:id="rId43"/>
   </p:notesMasterIdLst>
   <p:handoutMasterIdLst>
-    <p:handoutMasterId r:id="rId40"/>
+    <p:handoutMasterId r:id="rId44"/>
   </p:handoutMasterIdLst>
   <p:sldIdLst>
     <p:sldId id="261" r:id="rId3"/>
@@ -22,31 +22,35 @@
     <p:sldId id="273" r:id="rId11"/>
     <p:sldId id="275" r:id="rId12"/>
     <p:sldId id="282" r:id="rId13"/>
-    <p:sldId id="276" r:id="rId14"/>
-    <p:sldId id="277" r:id="rId15"/>
-    <p:sldId id="280" r:id="rId16"/>
-    <p:sldId id="279" r:id="rId17"/>
-    <p:sldId id="283" r:id="rId18"/>
-    <p:sldId id="278" r:id="rId19"/>
-    <p:sldId id="285" r:id="rId20"/>
-    <p:sldId id="286" r:id="rId21"/>
-    <p:sldId id="289" r:id="rId22"/>
-    <p:sldId id="290" r:id="rId23"/>
-    <p:sldId id="291" r:id="rId24"/>
-    <p:sldId id="292" r:id="rId25"/>
-    <p:sldId id="293" r:id="rId26"/>
-    <p:sldId id="307" r:id="rId27"/>
-    <p:sldId id="295" r:id="rId28"/>
-    <p:sldId id="296" r:id="rId29"/>
-    <p:sldId id="297" r:id="rId30"/>
-    <p:sldId id="298" r:id="rId31"/>
-    <p:sldId id="299" r:id="rId32"/>
-    <p:sldId id="300" r:id="rId33"/>
-    <p:sldId id="301" r:id="rId34"/>
-    <p:sldId id="294" r:id="rId35"/>
-    <p:sldId id="302" r:id="rId36"/>
-    <p:sldId id="306" r:id="rId37"/>
-    <p:sldId id="288" r:id="rId38"/>
+    <p:sldId id="309" r:id="rId14"/>
+    <p:sldId id="276" r:id="rId15"/>
+    <p:sldId id="277" r:id="rId16"/>
+    <p:sldId id="311" r:id="rId17"/>
+    <p:sldId id="280" r:id="rId18"/>
+    <p:sldId id="279" r:id="rId19"/>
+    <p:sldId id="283" r:id="rId20"/>
+    <p:sldId id="278" r:id="rId21"/>
+    <p:sldId id="285" r:id="rId22"/>
+    <p:sldId id="286" r:id="rId23"/>
+    <p:sldId id="289" r:id="rId24"/>
+    <p:sldId id="290" r:id="rId25"/>
+    <p:sldId id="291" r:id="rId26"/>
+    <p:sldId id="292" r:id="rId27"/>
+    <p:sldId id="293" r:id="rId28"/>
+    <p:sldId id="307" r:id="rId29"/>
+    <p:sldId id="295" r:id="rId30"/>
+    <p:sldId id="296" r:id="rId31"/>
+    <p:sldId id="312" r:id="rId32"/>
+    <p:sldId id="297" r:id="rId33"/>
+    <p:sldId id="298" r:id="rId34"/>
+    <p:sldId id="301" r:id="rId35"/>
+    <p:sldId id="313" r:id="rId36"/>
+    <p:sldId id="314" r:id="rId37"/>
+    <p:sldId id="315" r:id="rId38"/>
+    <p:sldId id="300" r:id="rId39"/>
+    <p:sldId id="294" r:id="rId40"/>
+    <p:sldId id="306" r:id="rId41"/>
+    <p:sldId id="288" r:id="rId42"/>
   </p:sldIdLst>
   <p:sldSz cx="12192000" cy="6858000"/>
   <p:notesSz cx="6858000" cy="9144000"/>
@@ -249,7 +253,7 @@
           <a:p>
             <a:fld id="{59041DB8-B66F-4DC8-A96E-33677E0F90FF}" type="datetimeFigureOut">
               <a:rPr lang="en-US" smtClean="0"/>
-              <a:t>8/19/2016</a:t>
+              <a:t>8/22/2016</a:t>
             </a:fld>
             <a:endParaRPr lang="en-US"/>
           </a:p>
@@ -414,7 +418,7 @@
           <a:p>
             <a:fld id="{DEB49C4A-65AC-492D-9701-81B46C3AD0E4}" type="datetimeFigureOut">
               <a:rPr lang="en-US" smtClean="0"/>
-              <a:t>8/19/2016</a:t>
+              <a:t>8/22/2016</a:t>
             </a:fld>
             <a:endParaRPr lang="en-US"/>
           </a:p>
@@ -2802,7 +2806,7 @@
           <a:p>
             <a:fld id="{384A29A4-78C8-47AB-BA06-22CB45938951}" type="datetime1">
               <a:rPr lang="en-US" smtClean="0"/>
-              <a:t>8/19/2016</a:t>
+              <a:t>8/22/2016</a:t>
             </a:fld>
             <a:endParaRPr lang="en-US"/>
           </a:p>
@@ -2994,7 +2998,7 @@
           <a:p>
             <a:fld id="{E1ED4ACF-2D82-46F2-A8E9-23963AA34E86}" type="datetime1">
               <a:rPr lang="en-US" smtClean="0"/>
-              <a:t>8/19/2016</a:t>
+              <a:t>8/22/2016</a:t>
             </a:fld>
             <a:endParaRPr lang="en-US"/>
           </a:p>
@@ -3176,7 +3180,7 @@
           <a:p>
             <a:fld id="{AE374B5B-21A0-4192-BF4C-38187F1A68D8}" type="datetime1">
               <a:rPr lang="en-US" smtClean="0"/>
-              <a:t>8/19/2016</a:t>
+              <a:t>8/22/2016</a:t>
             </a:fld>
             <a:endParaRPr lang="en-US"/>
           </a:p>
@@ -5516,7 +5520,7 @@
           <a:p>
             <a:fld id="{33B5CF7C-B333-48E1-A4A6-83A3C8B73AC0}" type="datetime1">
               <a:rPr lang="en-US" smtClean="0"/>
-              <a:t>8/19/2016</a:t>
+              <a:t>8/22/2016</a:t>
             </a:fld>
             <a:endParaRPr lang="en-US"/>
           </a:p>
@@ -5968,7 +5972,7 @@
           <a:p>
             <a:fld id="{AE320762-5CBF-4210-AB54-376B091119F8}" type="datetime1">
               <a:rPr lang="en-US" smtClean="0"/>
-              <a:t>8/19/2016</a:t>
+              <a:t>8/22/2016</a:t>
             </a:fld>
             <a:endParaRPr lang="en-US"/>
           </a:p>
@@ -6098,7 +6102,7 @@
           <a:p>
             <a:fld id="{7F0DB371-BF5F-4058-A212-1A908E4D2674}" type="datetime1">
               <a:rPr lang="en-US" smtClean="0"/>
-              <a:t>8/19/2016</a:t>
+              <a:t>8/22/2016</a:t>
             </a:fld>
             <a:endParaRPr lang="en-US"/>
           </a:p>
@@ -8028,7 +8032,7 @@
           <a:p>
             <a:fld id="{60A4083B-90AA-48CF-BAD5-00AA24D7F288}" type="datetime1">
               <a:rPr lang="en-US" smtClean="0"/>
-              <a:t>8/19/2016</a:t>
+              <a:t>8/22/2016</a:t>
             </a:fld>
             <a:endParaRPr lang="en-US"/>
           </a:p>
@@ -10275,7 +10279,7 @@
           <a:p>
             <a:fld id="{F5BAF629-ECA2-4CF3-B790-9D9BDED98269}" type="datetime1">
               <a:rPr lang="en-US" smtClean="0"/>
-              <a:t>8/19/2016</a:t>
+              <a:t>8/22/2016</a:t>
             </a:fld>
             <a:endParaRPr lang="en-US"/>
           </a:p>
@@ -14504,7 +14508,7 @@
           <a:p>
             <a:fld id="{B51B2453-8663-4C69-AF73-9FD7B1DEC5D0}" type="datetime1">
               <a:rPr lang="en-US" smtClean="0"/>
-              <a:t>8/19/2016</a:t>
+              <a:t>8/22/2016</a:t>
             </a:fld>
             <a:endParaRPr lang="en-US"/>
           </a:p>
@@ -15735,6 +15739,202 @@
       </p:grpSpPr>
       <p:sp>
         <p:nvSpPr>
+          <p:cNvPr id="2" name="Title 1"/>
+          <p:cNvSpPr>
+            <a:spLocks noGrp="1"/>
+          </p:cNvSpPr>
+          <p:nvPr>
+            <p:ph type="title"/>
+          </p:nvPr>
+        </p:nvSpPr>
+        <p:spPr>
+          <a:xfrm>
+            <a:off x="1295400" y="503853"/>
+            <a:ext cx="2671119" cy="1142385"/>
+          </a:xfrm>
+        </p:spPr>
+        <p:txBody>
+          <a:bodyPr>
+            <a:normAutofit/>
+          </a:bodyPr>
+          <a:lstStyle/>
+          <a:p>
+            <a:r>
+              <a:rPr lang="en-GB" dirty="0" smtClean="0"/>
+              <a:t>Summary </a:t>
+            </a:r>
+            <a:br>
+              <a:rPr lang="en-GB" dirty="0" smtClean="0"/>
+            </a:br>
+            <a:r>
+              <a:rPr lang="en-GB" dirty="0" smtClean="0"/>
+              <a:t>(1. Names)</a:t>
+            </a:r>
+            <a:endParaRPr lang="en-GB" dirty="0"/>
+          </a:p>
+        </p:txBody>
+      </p:sp>
+      <p:sp>
+        <p:nvSpPr>
+          <p:cNvPr id="3" name="Content Placeholder 2"/>
+          <p:cNvSpPr>
+            <a:spLocks noGrp="1"/>
+          </p:cNvSpPr>
+          <p:nvPr>
+            <p:ph idx="1"/>
+          </p:nvPr>
+        </p:nvSpPr>
+        <p:spPr>
+          <a:xfrm>
+            <a:off x="1295400" y="1981201"/>
+            <a:ext cx="5346940" cy="3809999"/>
+          </a:xfrm>
+        </p:spPr>
+        <p:txBody>
+          <a:bodyPr/>
+          <a:lstStyle/>
+          <a:p>
+            <a:r>
+              <a:rPr lang="en-US" dirty="0" smtClean="0"/>
+              <a:t>Methods refactor </a:t>
+            </a:r>
+            <a:r>
+              <a:rPr lang="en-US" dirty="0" err="1" smtClean="0"/>
+              <a:t>eg</a:t>
+            </a:r>
+            <a:r>
+              <a:rPr lang="en-US" dirty="0" smtClean="0"/>
+              <a:t> </a:t>
+            </a:r>
+            <a:r>
+              <a:rPr lang="en-US" dirty="0" err="1" smtClean="0"/>
+              <a:t>IsPalindrome</a:t>
+            </a:r>
+            <a:r>
+              <a:rPr lang="en-US" dirty="0" smtClean="0"/>
+              <a:t> good</a:t>
+            </a:r>
+          </a:p>
+          <a:p>
+            <a:r>
+              <a:rPr lang="en-US" dirty="0" smtClean="0"/>
+              <a:t>Parameters refactor </a:t>
+            </a:r>
+            <a:r>
+              <a:rPr lang="en-US" dirty="0" err="1" smtClean="0"/>
+              <a:t>eg</a:t>
+            </a:r>
+            <a:r>
+              <a:rPr lang="en-US" dirty="0" smtClean="0"/>
+              <a:t> input is good</a:t>
+            </a:r>
+          </a:p>
+          <a:p>
+            <a:r>
+              <a:rPr lang="en-US" dirty="0" err="1" smtClean="0"/>
+              <a:t>Ctr</a:t>
+            </a:r>
+            <a:r>
+              <a:rPr lang="en-US" dirty="0" smtClean="0"/>
+              <a:t> r </a:t>
+            </a:r>
+            <a:r>
+              <a:rPr lang="en-US" dirty="0" err="1" smtClean="0"/>
+              <a:t>r</a:t>
+            </a:r>
+            <a:r>
+              <a:rPr lang="en-US" dirty="0" smtClean="0"/>
+              <a:t> – rename keyboard </a:t>
+            </a:r>
+            <a:r>
+              <a:rPr lang="en-US" dirty="0" smtClean="0"/>
+              <a:t>shortcut **demo movies site**</a:t>
+            </a:r>
+            <a:endParaRPr lang="en-GB" dirty="0"/>
+          </a:p>
+        </p:txBody>
+      </p:sp>
+      <p:pic>
+        <p:nvPicPr>
+          <p:cNvPr id="4" name="Picture 3"/>
+          <p:cNvPicPr>
+            <a:picLocks noChangeAspect="1"/>
+          </p:cNvPicPr>
+          <p:nvPr/>
+        </p:nvPicPr>
+        <p:blipFill>
+          <a:blip r:embed="rId2" cstate="print">
+            <a:extLst>
+              <a:ext uri="{28A0092B-C50C-407E-A947-70E740481C1C}">
+                <a14:useLocalDpi xmlns:a14="http://schemas.microsoft.com/office/drawing/2010/main" val="0"/>
+              </a:ext>
+            </a:extLst>
+          </a:blip>
+          <a:stretch>
+            <a:fillRect/>
+          </a:stretch>
+        </p:blipFill>
+        <p:spPr>
+          <a:xfrm rot="5400000">
+            <a:off x="6192279" y="866973"/>
+            <a:ext cx="6844013" cy="5133010"/>
+          </a:xfrm>
+          <a:prstGeom prst="rect">
+            <a:avLst/>
+          </a:prstGeom>
+        </p:spPr>
+      </p:pic>
+    </p:spTree>
+    <p:extLst>
+      <p:ext uri="{BB962C8B-B14F-4D97-AF65-F5344CB8AC3E}">
+        <p14:creationId xmlns:p14="http://schemas.microsoft.com/office/powerpoint/2010/main" val="3673687620"/>
+      </p:ext>
+    </p:extLst>
+  </p:cSld>
+  <p:clrMapOvr>
+    <a:masterClrMapping/>
+  </p:clrMapOvr>
+  <mc:AlternateContent xmlns:mc="http://schemas.openxmlformats.org/markup-compatibility/2006" xmlns:p14="http://schemas.microsoft.com/office/powerpoint/2010/main">
+    <mc:Choice Requires="p14">
+      <p:transition spd="med" p14:dur="700">
+        <p:fade/>
+      </p:transition>
+    </mc:Choice>
+    <mc:Fallback xmlns="">
+      <p:transition spd="med">
+        <p:fade/>
+      </p:transition>
+    </mc:Fallback>
+  </mc:AlternateContent>
+  <p:timing>
+    <p:tnLst>
+      <p:par>
+        <p:cTn id="1" dur="indefinite" restart="never" nodeType="tmRoot"/>
+      </p:par>
+    </p:tnLst>
+  </p:timing>
+</p:sld>
+</file>
+
+<file path=ppt/slides/slide13.xml><?xml version="1.0" encoding="utf-8"?>
+<p:sld xmlns:a="http://schemas.openxmlformats.org/drawingml/2006/main" xmlns:r="http://schemas.openxmlformats.org/officeDocument/2006/relationships" xmlns:p="http://schemas.openxmlformats.org/presentationml/2006/main">
+  <p:cSld>
+    <p:spTree>
+      <p:nvGrpSpPr>
+        <p:cNvPr id="1" name=""/>
+        <p:cNvGrpSpPr/>
+        <p:nvPr/>
+      </p:nvGrpSpPr>
+      <p:grpSpPr>
+        <a:xfrm>
+          <a:off x="0" y="0"/>
+          <a:ext cx="0" cy="0"/>
+          <a:chOff x="0" y="0"/>
+          <a:chExt cx="0" cy="0"/>
+        </a:xfrm>
+      </p:grpSpPr>
+      <p:sp>
+        <p:nvSpPr>
           <p:cNvPr id="4" name="Title 3"/>
           <p:cNvSpPr>
             <a:spLocks noGrp="1"/>
@@ -15908,7 +16108,7 @@
 </p:sld>
 </file>
 
-<file path=ppt/slides/slide13.xml><?xml version="1.0" encoding="utf-8"?>
+<file path=ppt/slides/slide14.xml><?xml version="1.0" encoding="utf-8"?>
 <p:sld xmlns:a="http://schemas.openxmlformats.org/drawingml/2006/main" xmlns:r="http://schemas.openxmlformats.org/officeDocument/2006/relationships" xmlns:p="http://schemas.openxmlformats.org/presentationml/2006/main">
   <p:cSld>
     <p:spTree>
@@ -15981,7 +16181,190 @@
 </p:sld>
 </file>
 
-<file path=ppt/slides/slide14.xml><?xml version="1.0" encoding="utf-8"?>
+<file path=ppt/slides/slide15.xml><?xml version="1.0" encoding="utf-8"?>
+<p:sld xmlns:a="http://schemas.openxmlformats.org/drawingml/2006/main" xmlns:r="http://schemas.openxmlformats.org/officeDocument/2006/relationships" xmlns:p="http://schemas.openxmlformats.org/presentationml/2006/main">
+  <p:cSld>
+    <p:spTree>
+      <p:nvGrpSpPr>
+        <p:cNvPr id="1" name=""/>
+        <p:cNvGrpSpPr/>
+        <p:nvPr/>
+      </p:nvGrpSpPr>
+      <p:grpSpPr>
+        <a:xfrm>
+          <a:off x="0" y="0"/>
+          <a:ext cx="0" cy="0"/>
+          <a:chOff x="0" y="0"/>
+          <a:chExt cx="0" cy="0"/>
+        </a:xfrm>
+      </p:grpSpPr>
+      <p:sp>
+        <p:nvSpPr>
+          <p:cNvPr id="4" name="Title 3"/>
+          <p:cNvSpPr>
+            <a:spLocks noGrp="1"/>
+          </p:cNvSpPr>
+          <p:nvPr>
+            <p:ph type="title"/>
+          </p:nvPr>
+        </p:nvSpPr>
+        <p:spPr>
+          <a:xfrm>
+            <a:off x="1295400" y="503853"/>
+            <a:ext cx="4025900" cy="1142385"/>
+          </a:xfrm>
+        </p:spPr>
+        <p:txBody>
+          <a:bodyPr/>
+          <a:lstStyle/>
+          <a:p>
+            <a:r>
+              <a:rPr lang="en-GB" dirty="0" smtClean="0"/>
+              <a:t>2.Summary (Zombies)</a:t>
+            </a:r>
+            <a:endParaRPr lang="en-GB" dirty="0"/>
+          </a:p>
+        </p:txBody>
+      </p:sp>
+      <p:sp>
+        <p:nvSpPr>
+          <p:cNvPr id="6" name="Rectangle 5"/>
+          <p:cNvSpPr/>
+          <p:nvPr/>
+        </p:nvSpPr>
+        <p:spPr>
+          <a:xfrm>
+            <a:off x="8810290" y="5720834"/>
+            <a:ext cx="2565126" cy="215444"/>
+          </a:xfrm>
+          <a:prstGeom prst="rect">
+            <a:avLst/>
+          </a:prstGeom>
+        </p:spPr>
+        <p:txBody>
+          <a:bodyPr wrap="none">
+            <a:spAutoFit/>
+          </a:bodyPr>
+          <a:lstStyle/>
+          <a:p>
+            <a:r>
+              <a:rPr lang="en-GB" sz="800" dirty="0"/>
+              <a:t>https://www.flickr.com/photos/dhollister/2596483147</a:t>
+            </a:r>
+          </a:p>
+        </p:txBody>
+      </p:sp>
+      <p:sp>
+        <p:nvSpPr>
+          <p:cNvPr id="7" name="TextBox 6"/>
+          <p:cNvSpPr txBox="1"/>
+          <p:nvPr/>
+        </p:nvSpPr>
+        <p:spPr>
+          <a:xfrm>
+            <a:off x="763095" y="1646238"/>
+            <a:ext cx="4787900" cy="923330"/>
+          </a:xfrm>
+          <a:prstGeom prst="rect">
+            <a:avLst/>
+          </a:prstGeom>
+          <a:noFill/>
+        </p:spPr>
+        <p:txBody>
+          <a:bodyPr wrap="square" rtlCol="0">
+            <a:spAutoFit/>
+          </a:bodyPr>
+          <a:lstStyle/>
+          <a:p>
+            <a:pPr marL="285750" indent="-285750">
+              <a:buFont typeface="Arial" panose="020B0604020202020204" pitchFamily="34" charset="0"/>
+              <a:buChar char="•"/>
+            </a:pPr>
+            <a:r>
+              <a:rPr lang="en-US" dirty="0" smtClean="0"/>
+              <a:t>Tidy up code as a matter of habit</a:t>
+            </a:r>
+          </a:p>
+          <a:p>
+            <a:pPr marL="285750" indent="-285750">
+              <a:buFont typeface="Arial" panose="020B0604020202020204" pitchFamily="34" charset="0"/>
+              <a:buChar char="•"/>
+            </a:pPr>
+            <a:r>
+              <a:rPr lang="en-US" dirty="0" smtClean="0"/>
+              <a:t>Delete nearly dead code</a:t>
+            </a:r>
+          </a:p>
+          <a:p>
+            <a:pPr marL="285750" indent="-285750">
+              <a:buFont typeface="Arial" panose="020B0604020202020204" pitchFamily="34" charset="0"/>
+              <a:buChar char="•"/>
+            </a:pPr>
+            <a:r>
+              <a:rPr lang="en-US" dirty="0" smtClean="0"/>
+              <a:t>alt E I O A</a:t>
+            </a:r>
+            <a:endParaRPr lang="en-GB" dirty="0"/>
+          </a:p>
+        </p:txBody>
+      </p:sp>
+      <p:pic>
+        <p:nvPicPr>
+          <p:cNvPr id="8" name="Picture 7"/>
+          <p:cNvPicPr>
+            <a:picLocks noChangeAspect="1"/>
+          </p:cNvPicPr>
+          <p:nvPr/>
+        </p:nvPicPr>
+        <p:blipFill>
+          <a:blip r:embed="rId2"/>
+          <a:stretch>
+            <a:fillRect/>
+          </a:stretch>
+        </p:blipFill>
+        <p:spPr>
+          <a:xfrm>
+            <a:off x="763095" y="3219330"/>
+            <a:ext cx="10297860" cy="2501504"/>
+          </a:xfrm>
+          <a:prstGeom prst="rect">
+            <a:avLst/>
+          </a:prstGeom>
+        </p:spPr>
+      </p:pic>
+    </p:spTree>
+    <p:extLst>
+      <p:ext uri="{BB962C8B-B14F-4D97-AF65-F5344CB8AC3E}">
+        <p14:creationId xmlns:p14="http://schemas.microsoft.com/office/powerpoint/2010/main" val="2242467968"/>
+      </p:ext>
+    </p:extLst>
+  </p:cSld>
+  <p:clrMapOvr>
+    <a:masterClrMapping/>
+  </p:clrMapOvr>
+  <mc:AlternateContent xmlns:mc="http://schemas.openxmlformats.org/markup-compatibility/2006" xmlns:p14="http://schemas.microsoft.com/office/powerpoint/2010/main">
+    <mc:Choice Requires="p14">
+      <p:transition spd="med" p14:dur="700">
+        <p:fade/>
+      </p:transition>
+    </mc:Choice>
+    <mc:Fallback xmlns="">
+      <p:transition spd="med">
+        <p:fade/>
+      </p:transition>
+    </mc:Fallback>
+  </mc:AlternateContent>
+  <p:timing>
+    <p:tnLst>
+      <p:par>
+        <p:cTn id="1" dur="indefinite" restart="never" nodeType="tmRoot"/>
+      </p:par>
+    </p:tnLst>
+  </p:timing>
+</p:sld>
+</file>
+
+<file path=ppt/slides/slide16.xml><?xml version="1.0" encoding="utf-8"?>
 <p:sld xmlns:a="http://schemas.openxmlformats.org/drawingml/2006/main" xmlns:r="http://schemas.openxmlformats.org/officeDocument/2006/relationships" xmlns:p="http://schemas.openxmlformats.org/presentationml/2006/main">
   <p:cSld>
     <p:spTree>
@@ -16152,7 +16535,7 @@
 </p:sld>
 </file>
 
-<file path=ppt/slides/slide15.xml><?xml version="1.0" encoding="utf-8"?>
+<file path=ppt/slides/slide17.xml><?xml version="1.0" encoding="utf-8"?>
 <p:sld xmlns:a="http://schemas.openxmlformats.org/drawingml/2006/main" xmlns:r="http://schemas.openxmlformats.org/officeDocument/2006/relationships" xmlns:p="http://schemas.openxmlformats.org/presentationml/2006/main">
   <p:cSld>
     <p:spTree>
@@ -16347,7 +16730,7 @@
 </p:sld>
 </file>
 
-<file path=ppt/slides/slide16.xml><?xml version="1.0" encoding="utf-8"?>
+<file path=ppt/slides/slide18.xml><?xml version="1.0" encoding="utf-8"?>
 <p:sld xmlns:a="http://schemas.openxmlformats.org/drawingml/2006/main" xmlns:r="http://schemas.openxmlformats.org/officeDocument/2006/relationships" xmlns:p="http://schemas.openxmlformats.org/presentationml/2006/main">
   <p:cSld>
     <p:spTree>
@@ -16542,7 +16925,7 @@
 </p:sld>
 </file>
 
-<file path=ppt/slides/slide17.xml><?xml version="1.0" encoding="utf-8"?>
+<file path=ppt/slides/slide19.xml><?xml version="1.0" encoding="utf-8"?>
 <p:sld xmlns:a="http://schemas.openxmlformats.org/drawingml/2006/main" xmlns:r="http://schemas.openxmlformats.org/officeDocument/2006/relationships" xmlns:p="http://schemas.openxmlformats.org/presentationml/2006/main">
   <p:cSld>
     <p:spTree>
@@ -16645,7 +17028,147 @@
 </p:sld>
 </file>
 
-<file path=ppt/slides/slide18.xml><?xml version="1.0" encoding="utf-8"?>
+<file path=ppt/slides/slide2.xml><?xml version="1.0" encoding="utf-8"?>
+<p:sld xmlns:a="http://schemas.openxmlformats.org/drawingml/2006/main" xmlns:r="http://schemas.openxmlformats.org/officeDocument/2006/relationships" xmlns:p="http://schemas.openxmlformats.org/presentationml/2006/main">
+  <p:cSld>
+    <p:spTree>
+      <p:nvGrpSpPr>
+        <p:cNvPr id="1" name=""/>
+        <p:cNvGrpSpPr/>
+        <p:nvPr/>
+      </p:nvGrpSpPr>
+      <p:grpSpPr>
+        <a:xfrm>
+          <a:off x="0" y="0"/>
+          <a:ext cx="0" cy="0"/>
+          <a:chOff x="0" y="0"/>
+          <a:chExt cx="0" cy="0"/>
+        </a:xfrm>
+      </p:grpSpPr>
+      <p:sp>
+        <p:nvSpPr>
+          <p:cNvPr id="2" name="Title 1"/>
+          <p:cNvSpPr>
+            <a:spLocks noGrp="1"/>
+          </p:cNvSpPr>
+          <p:nvPr>
+            <p:ph type="title"/>
+          </p:nvPr>
+        </p:nvSpPr>
+        <p:spPr/>
+        <p:txBody>
+          <a:bodyPr/>
+          <a:lstStyle/>
+          <a:p>
+            <a:endParaRPr lang="en-GB"/>
+          </a:p>
+        </p:txBody>
+      </p:sp>
+      <p:pic>
+        <p:nvPicPr>
+          <p:cNvPr id="1026" name="Picture 2" descr="Animated gif from Doctor Who of Eleven saying &quot;I was not expecting this&quot;"/>
+          <p:cNvPicPr>
+            <a:picLocks noGrp="1" noChangeAspect="1" noChangeArrowheads="1" noCrop="1"/>
+          </p:cNvPicPr>
+          <p:nvPr>
+            <p:ph idx="1"/>
+          </p:nvPr>
+        </p:nvPicPr>
+        <p:blipFill>
+          <a:blip r:embed="rId2">
+            <a:extLst>
+              <a:ext uri="{28A0092B-C50C-407E-A947-70E740481C1C}">
+                <a14:useLocalDpi xmlns:a14="http://schemas.microsoft.com/office/drawing/2010/main" val="0"/>
+              </a:ext>
+            </a:extLst>
+          </a:blip>
+          <a:srcRect/>
+          <a:stretch>
+            <a:fillRect/>
+          </a:stretch>
+        </p:blipFill>
+        <p:spPr bwMode="auto">
+          <a:xfrm>
+            <a:off x="172886" y="89785"/>
+            <a:ext cx="11455521" cy="6453278"/>
+          </a:xfrm>
+          <a:prstGeom prst="rect">
+            <a:avLst/>
+          </a:prstGeom>
+          <a:noFill/>
+          <a:extLst>
+            <a:ext uri="{909E8E84-426E-40DD-AFC4-6F175D3DCCD1}">
+              <a14:hiddenFill xmlns:a14="http://schemas.microsoft.com/office/drawing/2010/main">
+                <a:solidFill>
+                  <a:srgbClr val="FFFFFF"/>
+                </a:solidFill>
+              </a14:hiddenFill>
+            </a:ext>
+          </a:extLst>
+        </p:spPr>
+      </p:pic>
+      <p:sp>
+        <p:nvSpPr>
+          <p:cNvPr id="4" name="TextBox 3"/>
+          <p:cNvSpPr txBox="1"/>
+          <p:nvPr/>
+        </p:nvSpPr>
+        <p:spPr>
+          <a:xfrm>
+            <a:off x="7617125" y="6545109"/>
+            <a:ext cx="3786996" cy="246221"/>
+          </a:xfrm>
+          <a:prstGeom prst="rect">
+            <a:avLst/>
+          </a:prstGeom>
+          <a:noFill/>
+        </p:spPr>
+        <p:txBody>
+          <a:bodyPr wrap="square" rtlCol="0">
+            <a:spAutoFit/>
+          </a:bodyPr>
+          <a:lstStyle/>
+          <a:p>
+            <a:r>
+              <a:rPr lang="en-GB" sz="1000" dirty="0"/>
+              <a:t>http://persephonemagazine.com/2013/01/gif-it-to-me-baby-wtf/</a:t>
+            </a:r>
+          </a:p>
+        </p:txBody>
+      </p:sp>
+    </p:spTree>
+    <p:extLst>
+      <p:ext uri="{BB962C8B-B14F-4D97-AF65-F5344CB8AC3E}">
+        <p14:creationId xmlns:p14="http://schemas.microsoft.com/office/powerpoint/2010/main" val="2393826170"/>
+      </p:ext>
+    </p:extLst>
+  </p:cSld>
+  <p:clrMapOvr>
+    <a:masterClrMapping/>
+  </p:clrMapOvr>
+  <mc:AlternateContent xmlns:mc="http://schemas.openxmlformats.org/markup-compatibility/2006" xmlns:p14="http://schemas.microsoft.com/office/powerpoint/2010/main">
+    <mc:Choice Requires="p14">
+      <p:transition spd="med" p14:dur="700">
+        <p:fade/>
+      </p:transition>
+    </mc:Choice>
+    <mc:Fallback xmlns="">
+      <p:transition spd="med">
+        <p:fade/>
+      </p:transition>
+    </mc:Fallback>
+  </mc:AlternateContent>
+  <p:timing>
+    <p:tnLst>
+      <p:par>
+        <p:cTn id="1" dur="indefinite" restart="never" nodeType="tmRoot"/>
+      </p:par>
+    </p:tnLst>
+  </p:timing>
+</p:sld>
+</file>
+
+<file path=ppt/slides/slide20.xml><?xml version="1.0" encoding="utf-8"?>
 <p:sld xmlns:a="http://schemas.openxmlformats.org/drawingml/2006/main" xmlns:r="http://schemas.openxmlformats.org/officeDocument/2006/relationships" xmlns:p="http://schemas.openxmlformats.org/presentationml/2006/main">
   <p:cSld>
     <p:spTree>
@@ -16718,7 +17241,7 @@
 </p:sld>
 </file>
 
-<file path=ppt/slides/slide19.xml><?xml version="1.0" encoding="utf-8"?>
+<file path=ppt/slides/slide21.xml><?xml version="1.0" encoding="utf-8"?>
 <p:sld xmlns:a="http://schemas.openxmlformats.org/drawingml/2006/main" xmlns:r="http://schemas.openxmlformats.org/officeDocument/2006/relationships" xmlns:p="http://schemas.openxmlformats.org/presentationml/2006/main">
   <p:cSld>
     <p:spTree>
@@ -16883,147 +17406,7 @@
 </p:sld>
 </file>
 
-<file path=ppt/slides/slide2.xml><?xml version="1.0" encoding="utf-8"?>
-<p:sld xmlns:a="http://schemas.openxmlformats.org/drawingml/2006/main" xmlns:r="http://schemas.openxmlformats.org/officeDocument/2006/relationships" xmlns:p="http://schemas.openxmlformats.org/presentationml/2006/main">
-  <p:cSld>
-    <p:spTree>
-      <p:nvGrpSpPr>
-        <p:cNvPr id="1" name=""/>
-        <p:cNvGrpSpPr/>
-        <p:nvPr/>
-      </p:nvGrpSpPr>
-      <p:grpSpPr>
-        <a:xfrm>
-          <a:off x="0" y="0"/>
-          <a:ext cx="0" cy="0"/>
-          <a:chOff x="0" y="0"/>
-          <a:chExt cx="0" cy="0"/>
-        </a:xfrm>
-      </p:grpSpPr>
-      <p:sp>
-        <p:nvSpPr>
-          <p:cNvPr id="2" name="Title 1"/>
-          <p:cNvSpPr>
-            <a:spLocks noGrp="1"/>
-          </p:cNvSpPr>
-          <p:nvPr>
-            <p:ph type="title"/>
-          </p:nvPr>
-        </p:nvSpPr>
-        <p:spPr/>
-        <p:txBody>
-          <a:bodyPr/>
-          <a:lstStyle/>
-          <a:p>
-            <a:endParaRPr lang="en-GB"/>
-          </a:p>
-        </p:txBody>
-      </p:sp>
-      <p:pic>
-        <p:nvPicPr>
-          <p:cNvPr id="1026" name="Picture 2" descr="Animated gif from Doctor Who of Eleven saying &quot;I was not expecting this&quot;"/>
-          <p:cNvPicPr>
-            <a:picLocks noGrp="1" noChangeAspect="1" noChangeArrowheads="1" noCrop="1"/>
-          </p:cNvPicPr>
-          <p:nvPr>
-            <p:ph idx="1"/>
-          </p:nvPr>
-        </p:nvPicPr>
-        <p:blipFill>
-          <a:blip r:embed="rId2">
-            <a:extLst>
-              <a:ext uri="{28A0092B-C50C-407E-A947-70E740481C1C}">
-                <a14:useLocalDpi xmlns:a14="http://schemas.microsoft.com/office/drawing/2010/main" val="0"/>
-              </a:ext>
-            </a:extLst>
-          </a:blip>
-          <a:srcRect/>
-          <a:stretch>
-            <a:fillRect/>
-          </a:stretch>
-        </p:blipFill>
-        <p:spPr bwMode="auto">
-          <a:xfrm>
-            <a:off x="172886" y="89785"/>
-            <a:ext cx="11455521" cy="6453278"/>
-          </a:xfrm>
-          <a:prstGeom prst="rect">
-            <a:avLst/>
-          </a:prstGeom>
-          <a:noFill/>
-          <a:extLst>
-            <a:ext uri="{909E8E84-426E-40DD-AFC4-6F175D3DCCD1}">
-              <a14:hiddenFill xmlns:a14="http://schemas.microsoft.com/office/drawing/2010/main">
-                <a:solidFill>
-                  <a:srgbClr val="FFFFFF"/>
-                </a:solidFill>
-              </a14:hiddenFill>
-            </a:ext>
-          </a:extLst>
-        </p:spPr>
-      </p:pic>
-      <p:sp>
-        <p:nvSpPr>
-          <p:cNvPr id="4" name="TextBox 3"/>
-          <p:cNvSpPr txBox="1"/>
-          <p:nvPr/>
-        </p:nvSpPr>
-        <p:spPr>
-          <a:xfrm>
-            <a:off x="7617125" y="6545109"/>
-            <a:ext cx="3786996" cy="246221"/>
-          </a:xfrm>
-          <a:prstGeom prst="rect">
-            <a:avLst/>
-          </a:prstGeom>
-          <a:noFill/>
-        </p:spPr>
-        <p:txBody>
-          <a:bodyPr wrap="square" rtlCol="0">
-            <a:spAutoFit/>
-          </a:bodyPr>
-          <a:lstStyle/>
-          <a:p>
-            <a:r>
-              <a:rPr lang="en-GB" sz="1000" dirty="0"/>
-              <a:t>http://persephonemagazine.com/2013/01/gif-it-to-me-baby-wtf/</a:t>
-            </a:r>
-          </a:p>
-        </p:txBody>
-      </p:sp>
-    </p:spTree>
-    <p:extLst>
-      <p:ext uri="{BB962C8B-B14F-4D97-AF65-F5344CB8AC3E}">
-        <p14:creationId xmlns:p14="http://schemas.microsoft.com/office/powerpoint/2010/main" val="2393826170"/>
-      </p:ext>
-    </p:extLst>
-  </p:cSld>
-  <p:clrMapOvr>
-    <a:masterClrMapping/>
-  </p:clrMapOvr>
-  <mc:AlternateContent xmlns:mc="http://schemas.openxmlformats.org/markup-compatibility/2006" xmlns:p14="http://schemas.microsoft.com/office/powerpoint/2010/main">
-    <mc:Choice Requires="p14">
-      <p:transition spd="med" p14:dur="700">
-        <p:fade/>
-      </p:transition>
-    </mc:Choice>
-    <mc:Fallback xmlns="">
-      <p:transition spd="med">
-        <p:fade/>
-      </p:transition>
-    </mc:Fallback>
-  </mc:AlternateContent>
-  <p:timing>
-    <p:tnLst>
-      <p:par>
-        <p:cTn id="1" dur="indefinite" restart="never" nodeType="tmRoot"/>
-      </p:par>
-    </p:tnLst>
-  </p:timing>
-</p:sld>
-</file>
-
-<file path=ppt/slides/slide20.xml><?xml version="1.0" encoding="utf-8"?>
+<file path=ppt/slides/slide22.xml><?xml version="1.0" encoding="utf-8"?>
 <p:sld xmlns:a="http://schemas.openxmlformats.org/drawingml/2006/main" xmlns:r="http://schemas.openxmlformats.org/officeDocument/2006/relationships" xmlns:p="http://schemas.openxmlformats.org/presentationml/2006/main">
   <p:cSld>
     <p:spTree>
@@ -17326,7 +17709,7 @@
 </p:sld>
 </file>
 
-<file path=ppt/slides/slide21.xml><?xml version="1.0" encoding="utf-8"?>
+<file path=ppt/slides/slide23.xml><?xml version="1.0" encoding="utf-8"?>
 <p:sld xmlns:a="http://schemas.openxmlformats.org/drawingml/2006/main" xmlns:r="http://schemas.openxmlformats.org/officeDocument/2006/relationships" xmlns:p="http://schemas.openxmlformats.org/presentationml/2006/main">
   <p:cSld>
     <p:spTree>
@@ -17491,7 +17874,7 @@
 </p:sld>
 </file>
 
-<file path=ppt/slides/slide22.xml><?xml version="1.0" encoding="utf-8"?>
+<file path=ppt/slides/slide24.xml><?xml version="1.0" encoding="utf-8"?>
 <p:sld xmlns:a="http://schemas.openxmlformats.org/drawingml/2006/main" xmlns:r="http://schemas.openxmlformats.org/officeDocument/2006/relationships" xmlns:p="http://schemas.openxmlformats.org/presentationml/2006/main">
   <p:cSld>
     <p:spTree>
@@ -17643,7 +18026,7 @@
 </p:sld>
 </file>
 
-<file path=ppt/slides/slide23.xml><?xml version="1.0" encoding="utf-8"?>
+<file path=ppt/slides/slide25.xml><?xml version="1.0" encoding="utf-8"?>
 <p:sld xmlns:a="http://schemas.openxmlformats.org/drawingml/2006/main" xmlns:r="http://schemas.openxmlformats.org/officeDocument/2006/relationships" xmlns:p="http://schemas.openxmlformats.org/presentationml/2006/main">
   <p:cSld>
     <p:spTree>
@@ -17875,7 +18258,7 @@
 </p:sld>
 </file>
 
-<file path=ppt/slides/slide24.xml><?xml version="1.0" encoding="utf-8"?>
+<file path=ppt/slides/slide26.xml><?xml version="1.0" encoding="utf-8"?>
 <p:sld xmlns:a="http://schemas.openxmlformats.org/drawingml/2006/main" xmlns:r="http://schemas.openxmlformats.org/officeDocument/2006/relationships" xmlns:p="http://schemas.openxmlformats.org/presentationml/2006/main">
   <p:cSld>
     <p:spTree>
@@ -18065,7 +18448,7 @@
 </p:sld>
 </file>
 
-<file path=ppt/slides/slide25.xml><?xml version="1.0" encoding="utf-8"?>
+<file path=ppt/slides/slide27.xml><?xml version="1.0" encoding="utf-8"?>
 <p:sld xmlns:a="http://schemas.openxmlformats.org/drawingml/2006/main" xmlns:r="http://schemas.openxmlformats.org/officeDocument/2006/relationships" xmlns:p="http://schemas.openxmlformats.org/presentationml/2006/main">
   <p:cSld>
     <p:spTree>
@@ -18166,7 +18549,7 @@
 </p:sld>
 </file>
 
-<file path=ppt/slides/slide26.xml><?xml version="1.0" encoding="utf-8"?>
+<file path=ppt/slides/slide28.xml><?xml version="1.0" encoding="utf-8"?>
 <p:sld xmlns:a="http://schemas.openxmlformats.org/drawingml/2006/main" xmlns:r="http://schemas.openxmlformats.org/officeDocument/2006/relationships" xmlns:p="http://schemas.openxmlformats.org/presentationml/2006/main">
   <p:cSld>
     <p:spTree>
@@ -18300,7 +18683,7 @@
 </p:sld>
 </file>
 
-<file path=ppt/slides/slide27.xml><?xml version="1.0" encoding="utf-8"?>
+<file path=ppt/slides/slide29.xml><?xml version="1.0" encoding="utf-8"?>
 <p:sld xmlns:a="http://schemas.openxmlformats.org/drawingml/2006/main" xmlns:r="http://schemas.openxmlformats.org/officeDocument/2006/relationships" xmlns:p="http://schemas.openxmlformats.org/presentationml/2006/main">
   <p:cSld>
     <p:spTree>
@@ -18401,7 +18784,234 @@
 </p:sld>
 </file>
 
-<file path=ppt/slides/slide28.xml><?xml version="1.0" encoding="utf-8"?>
+<file path=ppt/slides/slide3.xml><?xml version="1.0" encoding="utf-8"?>
+<p:sld xmlns:a="http://schemas.openxmlformats.org/drawingml/2006/main" xmlns:r="http://schemas.openxmlformats.org/officeDocument/2006/relationships" xmlns:p="http://schemas.openxmlformats.org/presentationml/2006/main">
+  <p:cSld>
+    <p:spTree>
+      <p:nvGrpSpPr>
+        <p:cNvPr id="1" name=""/>
+        <p:cNvGrpSpPr/>
+        <p:nvPr/>
+      </p:nvGrpSpPr>
+      <p:grpSpPr>
+        <a:xfrm>
+          <a:off x="0" y="0"/>
+          <a:ext cx="0" cy="0"/>
+          <a:chOff x="0" y="0"/>
+          <a:chExt cx="0" cy="0"/>
+        </a:xfrm>
+      </p:grpSpPr>
+      <p:sp>
+        <p:nvSpPr>
+          <p:cNvPr id="2" name="Title 1"/>
+          <p:cNvSpPr>
+            <a:spLocks noGrp="1"/>
+          </p:cNvSpPr>
+          <p:nvPr>
+            <p:ph type="title"/>
+          </p:nvPr>
+        </p:nvSpPr>
+        <p:spPr/>
+        <p:txBody>
+          <a:bodyPr/>
+          <a:lstStyle/>
+          <a:p>
+            <a:endParaRPr lang="en-GB"/>
+          </a:p>
+        </p:txBody>
+      </p:sp>
+      <p:sp>
+        <p:nvSpPr>
+          <p:cNvPr id="3" name="Content Placeholder 2"/>
+          <p:cNvSpPr>
+            <a:spLocks noGrp="1"/>
+          </p:cNvSpPr>
+          <p:nvPr>
+            <p:ph idx="1"/>
+          </p:nvPr>
+        </p:nvSpPr>
+        <p:spPr/>
+        <p:txBody>
+          <a:bodyPr/>
+          <a:lstStyle/>
+          <a:p>
+            <a:endParaRPr lang="en-GB"/>
+          </a:p>
+        </p:txBody>
+      </p:sp>
+      <p:pic>
+        <p:nvPicPr>
+          <p:cNvPr id="2050" name="Picture 2" descr="Animated gif from Doctor Who of Nine saying &quot;You have got to be kidding me.&quot;"/>
+          <p:cNvPicPr>
+            <a:picLocks noChangeAspect="1" noChangeArrowheads="1"/>
+          </p:cNvPicPr>
+          <p:nvPr/>
+        </p:nvPicPr>
+        <p:blipFill>
+          <a:blip r:embed="rId2">
+            <a:extLst>
+              <a:ext uri="{28A0092B-C50C-407E-A947-70E740481C1C}">
+                <a14:useLocalDpi xmlns:a14="http://schemas.microsoft.com/office/drawing/2010/main" val="0"/>
+              </a:ext>
+            </a:extLst>
+          </a:blip>
+          <a:srcRect/>
+          <a:stretch>
+            <a:fillRect/>
+          </a:stretch>
+        </p:blipFill>
+        <p:spPr bwMode="auto">
+          <a:xfrm>
+            <a:off x="259091" y="204878"/>
+            <a:ext cx="11412449" cy="6543138"/>
+          </a:xfrm>
+          <a:prstGeom prst="rect">
+            <a:avLst/>
+          </a:prstGeom>
+          <a:noFill/>
+          <a:extLst>
+            <a:ext uri="{909E8E84-426E-40DD-AFC4-6F175D3DCCD1}">
+              <a14:hiddenFill xmlns:a14="http://schemas.microsoft.com/office/drawing/2010/main">
+                <a:solidFill>
+                  <a:srgbClr val="FFFFFF"/>
+                </a:solidFill>
+              </a14:hiddenFill>
+            </a:ext>
+          </a:extLst>
+        </p:spPr>
+      </p:pic>
+    </p:spTree>
+    <p:extLst>
+      <p:ext uri="{BB962C8B-B14F-4D97-AF65-F5344CB8AC3E}">
+        <p14:creationId xmlns:p14="http://schemas.microsoft.com/office/powerpoint/2010/main" val="1537477690"/>
+      </p:ext>
+    </p:extLst>
+  </p:cSld>
+  <p:clrMapOvr>
+    <a:masterClrMapping/>
+  </p:clrMapOvr>
+  <mc:AlternateContent xmlns:mc="http://schemas.openxmlformats.org/markup-compatibility/2006" xmlns:p14="http://schemas.microsoft.com/office/powerpoint/2010/main">
+    <mc:Choice Requires="p14">
+      <p:transition spd="med" p14:dur="700">
+        <p:fade/>
+      </p:transition>
+    </mc:Choice>
+    <mc:Fallback xmlns="">
+      <p:transition spd="med">
+        <p:fade/>
+      </p:transition>
+    </mc:Fallback>
+  </mc:AlternateContent>
+  <p:timing>
+    <p:tnLst>
+      <p:par>
+        <p:cTn id="1" dur="indefinite" restart="never" nodeType="tmRoot"/>
+      </p:par>
+    </p:tnLst>
+  </p:timing>
+</p:sld>
+</file>
+
+<file path=ppt/slides/slide30.xml><?xml version="1.0" encoding="utf-8"?>
+<p:sld xmlns:a="http://schemas.openxmlformats.org/drawingml/2006/main" xmlns:r="http://schemas.openxmlformats.org/officeDocument/2006/relationships" xmlns:p="http://schemas.openxmlformats.org/presentationml/2006/main">
+  <p:cSld>
+    <p:spTree>
+      <p:nvGrpSpPr>
+        <p:cNvPr id="1" name=""/>
+        <p:cNvGrpSpPr/>
+        <p:nvPr/>
+      </p:nvGrpSpPr>
+      <p:grpSpPr>
+        <a:xfrm>
+          <a:off x="0" y="0"/>
+          <a:ext cx="0" cy="0"/>
+          <a:chOff x="0" y="0"/>
+          <a:chExt cx="0" cy="0"/>
+        </a:xfrm>
+      </p:grpSpPr>
+      <p:sp>
+        <p:nvSpPr>
+          <p:cNvPr id="2" name="Title 1"/>
+          <p:cNvSpPr>
+            <a:spLocks noGrp="1"/>
+          </p:cNvSpPr>
+          <p:nvPr>
+            <p:ph type="title"/>
+          </p:nvPr>
+        </p:nvSpPr>
+        <p:spPr/>
+        <p:txBody>
+          <a:bodyPr/>
+          <a:lstStyle/>
+          <a:p>
+            <a:r>
+              <a:rPr lang="en-US" dirty="0" smtClean="0"/>
+              <a:t>Refactoring towards Performance</a:t>
+            </a:r>
+            <a:endParaRPr lang="en-GB" dirty="0"/>
+          </a:p>
+        </p:txBody>
+      </p:sp>
+      <p:sp>
+        <p:nvSpPr>
+          <p:cNvPr id="3" name="TextBox 2"/>
+          <p:cNvSpPr txBox="1"/>
+          <p:nvPr/>
+        </p:nvSpPr>
+        <p:spPr>
+          <a:xfrm>
+            <a:off x="929127" y="2008165"/>
+            <a:ext cx="1627369" cy="369332"/>
+          </a:xfrm>
+          <a:prstGeom prst="rect">
+            <a:avLst/>
+          </a:prstGeom>
+          <a:noFill/>
+        </p:spPr>
+        <p:txBody>
+          <a:bodyPr wrap="none" rtlCol="0">
+            <a:spAutoFit/>
+          </a:bodyPr>
+          <a:lstStyle/>
+          <a:p>
+            <a:pPr marL="285750" indent="-285750">
+              <a:buFont typeface="Arial" panose="020B0604020202020204" pitchFamily="34" charset="0"/>
+              <a:buChar char="•"/>
+            </a:pPr>
+            <a:r>
+              <a:rPr lang="en-US" dirty="0" err="1" smtClean="0"/>
+              <a:t>MiniProfiler</a:t>
+            </a:r>
+            <a:endParaRPr lang="en-GB" dirty="0"/>
+          </a:p>
+        </p:txBody>
+      </p:sp>
+    </p:spTree>
+    <p:extLst>
+      <p:ext uri="{BB962C8B-B14F-4D97-AF65-F5344CB8AC3E}">
+        <p14:creationId xmlns:p14="http://schemas.microsoft.com/office/powerpoint/2010/main" val="3908989857"/>
+      </p:ext>
+    </p:extLst>
+  </p:cSld>
+  <p:clrMapOvr>
+    <a:masterClrMapping/>
+  </p:clrMapOvr>
+  <mc:AlternateContent xmlns:mc="http://schemas.openxmlformats.org/markup-compatibility/2006" xmlns:p14="http://schemas.microsoft.com/office/powerpoint/2010/main">
+    <mc:Choice Requires="p14">
+      <p:transition spd="med" p14:dur="700">
+        <p:fade/>
+      </p:transition>
+    </mc:Choice>
+    <mc:Fallback xmlns="">
+      <p:transition spd="med">
+        <p:fade/>
+      </p:transition>
+    </mc:Fallback>
+  </mc:AlternateContent>
+</p:sld>
+</file>
+
+<file path=ppt/slides/slide31.xml><?xml version="1.0" encoding="utf-8"?>
 <p:sld xmlns:a="http://schemas.openxmlformats.org/drawingml/2006/main" xmlns:r="http://schemas.openxmlformats.org/officeDocument/2006/relationships" xmlns:p="http://schemas.openxmlformats.org/presentationml/2006/main">
   <p:cSld>
     <p:spTree>
@@ -18845,7 +19455,7 @@
 </p:sld>
 </file>
 
-<file path=ppt/slides/slide29.xml><?xml version="1.0" encoding="utf-8"?>
+<file path=ppt/slides/slide32.xml><?xml version="1.0" encoding="utf-8"?>
 <p:sld xmlns:a="http://schemas.openxmlformats.org/drawingml/2006/main" xmlns:r="http://schemas.openxmlformats.org/officeDocument/2006/relationships" xmlns:p="http://schemas.openxmlformats.org/presentationml/2006/main">
   <p:cSld>
     <p:spTree>
@@ -18937,366 +19547,7 @@
 </p:sld>
 </file>
 
-<file path=ppt/slides/slide3.xml><?xml version="1.0" encoding="utf-8"?>
-<p:sld xmlns:a="http://schemas.openxmlformats.org/drawingml/2006/main" xmlns:r="http://schemas.openxmlformats.org/officeDocument/2006/relationships" xmlns:p="http://schemas.openxmlformats.org/presentationml/2006/main">
-  <p:cSld>
-    <p:spTree>
-      <p:nvGrpSpPr>
-        <p:cNvPr id="1" name=""/>
-        <p:cNvGrpSpPr/>
-        <p:nvPr/>
-      </p:nvGrpSpPr>
-      <p:grpSpPr>
-        <a:xfrm>
-          <a:off x="0" y="0"/>
-          <a:ext cx="0" cy="0"/>
-          <a:chOff x="0" y="0"/>
-          <a:chExt cx="0" cy="0"/>
-        </a:xfrm>
-      </p:grpSpPr>
-      <p:sp>
-        <p:nvSpPr>
-          <p:cNvPr id="2" name="Title 1"/>
-          <p:cNvSpPr>
-            <a:spLocks noGrp="1"/>
-          </p:cNvSpPr>
-          <p:nvPr>
-            <p:ph type="title"/>
-          </p:nvPr>
-        </p:nvSpPr>
-        <p:spPr/>
-        <p:txBody>
-          <a:bodyPr/>
-          <a:lstStyle/>
-          <a:p>
-            <a:endParaRPr lang="en-GB"/>
-          </a:p>
-        </p:txBody>
-      </p:sp>
-      <p:sp>
-        <p:nvSpPr>
-          <p:cNvPr id="3" name="Content Placeholder 2"/>
-          <p:cNvSpPr>
-            <a:spLocks noGrp="1"/>
-          </p:cNvSpPr>
-          <p:nvPr>
-            <p:ph idx="1"/>
-          </p:nvPr>
-        </p:nvSpPr>
-        <p:spPr/>
-        <p:txBody>
-          <a:bodyPr/>
-          <a:lstStyle/>
-          <a:p>
-            <a:endParaRPr lang="en-GB"/>
-          </a:p>
-        </p:txBody>
-      </p:sp>
-      <p:pic>
-        <p:nvPicPr>
-          <p:cNvPr id="2050" name="Picture 2" descr="Animated gif from Doctor Who of Nine saying &quot;You have got to be kidding me.&quot;"/>
-          <p:cNvPicPr>
-            <a:picLocks noChangeAspect="1" noChangeArrowheads="1"/>
-          </p:cNvPicPr>
-          <p:nvPr/>
-        </p:nvPicPr>
-        <p:blipFill>
-          <a:blip r:embed="rId2">
-            <a:extLst>
-              <a:ext uri="{28A0092B-C50C-407E-A947-70E740481C1C}">
-                <a14:useLocalDpi xmlns:a14="http://schemas.microsoft.com/office/drawing/2010/main" val="0"/>
-              </a:ext>
-            </a:extLst>
-          </a:blip>
-          <a:srcRect/>
-          <a:stretch>
-            <a:fillRect/>
-          </a:stretch>
-        </p:blipFill>
-        <p:spPr bwMode="auto">
-          <a:xfrm>
-            <a:off x="259091" y="204878"/>
-            <a:ext cx="11412449" cy="6543138"/>
-          </a:xfrm>
-          <a:prstGeom prst="rect">
-            <a:avLst/>
-          </a:prstGeom>
-          <a:noFill/>
-          <a:extLst>
-            <a:ext uri="{909E8E84-426E-40DD-AFC4-6F175D3DCCD1}">
-              <a14:hiddenFill xmlns:a14="http://schemas.microsoft.com/office/drawing/2010/main">
-                <a:solidFill>
-                  <a:srgbClr val="FFFFFF"/>
-                </a:solidFill>
-              </a14:hiddenFill>
-            </a:ext>
-          </a:extLst>
-        </p:spPr>
-      </p:pic>
-    </p:spTree>
-    <p:extLst>
-      <p:ext uri="{BB962C8B-B14F-4D97-AF65-F5344CB8AC3E}">
-        <p14:creationId xmlns:p14="http://schemas.microsoft.com/office/powerpoint/2010/main" val="1537477690"/>
-      </p:ext>
-    </p:extLst>
-  </p:cSld>
-  <p:clrMapOvr>
-    <a:masterClrMapping/>
-  </p:clrMapOvr>
-  <mc:AlternateContent xmlns:mc="http://schemas.openxmlformats.org/markup-compatibility/2006" xmlns:p14="http://schemas.microsoft.com/office/powerpoint/2010/main">
-    <mc:Choice Requires="p14">
-      <p:transition spd="med" p14:dur="700">
-        <p:fade/>
-      </p:transition>
-    </mc:Choice>
-    <mc:Fallback xmlns="">
-      <p:transition spd="med">
-        <p:fade/>
-      </p:transition>
-    </mc:Fallback>
-  </mc:AlternateContent>
-  <p:timing>
-    <p:tnLst>
-      <p:par>
-        <p:cTn id="1" dur="indefinite" restart="never" nodeType="tmRoot"/>
-      </p:par>
-    </p:tnLst>
-  </p:timing>
-</p:sld>
-</file>
-
-<file path=ppt/slides/slide30.xml><?xml version="1.0" encoding="utf-8"?>
-<p:sld xmlns:a="http://schemas.openxmlformats.org/drawingml/2006/main" xmlns:r="http://schemas.openxmlformats.org/officeDocument/2006/relationships" xmlns:p="http://schemas.openxmlformats.org/presentationml/2006/main">
-  <p:cSld>
-    <p:spTree>
-      <p:nvGrpSpPr>
-        <p:cNvPr id="1" name=""/>
-        <p:cNvGrpSpPr/>
-        <p:nvPr/>
-      </p:nvGrpSpPr>
-      <p:grpSpPr>
-        <a:xfrm>
-          <a:off x="0" y="0"/>
-          <a:ext cx="0" cy="0"/>
-          <a:chOff x="0" y="0"/>
-          <a:chExt cx="0" cy="0"/>
-        </a:xfrm>
-      </p:grpSpPr>
-      <p:sp>
-        <p:nvSpPr>
-          <p:cNvPr id="2" name="Title 1"/>
-          <p:cNvSpPr>
-            <a:spLocks noGrp="1"/>
-          </p:cNvSpPr>
-          <p:nvPr>
-            <p:ph type="title"/>
-          </p:nvPr>
-        </p:nvSpPr>
-        <p:spPr/>
-        <p:txBody>
-          <a:bodyPr/>
-          <a:lstStyle/>
-          <a:p>
-            <a:endParaRPr lang="en-GB"/>
-          </a:p>
-        </p:txBody>
-      </p:sp>
-      <p:pic>
-        <p:nvPicPr>
-          <p:cNvPr id="3" name="Picture 2"/>
-          <p:cNvPicPr>
-            <a:picLocks noChangeAspect="1"/>
-          </p:cNvPicPr>
-          <p:nvPr/>
-        </p:nvPicPr>
-        <p:blipFill>
-          <a:blip r:embed="rId2"/>
-          <a:stretch>
-            <a:fillRect/>
-          </a:stretch>
-        </p:blipFill>
-        <p:spPr>
-          <a:xfrm>
-            <a:off x="82771" y="0"/>
-            <a:ext cx="12109229" cy="5639289"/>
-          </a:xfrm>
-          <a:prstGeom prst="rect">
-            <a:avLst/>
-          </a:prstGeom>
-        </p:spPr>
-      </p:pic>
-    </p:spTree>
-    <p:extLst>
-      <p:ext uri="{BB962C8B-B14F-4D97-AF65-F5344CB8AC3E}">
-        <p14:creationId xmlns:p14="http://schemas.microsoft.com/office/powerpoint/2010/main" val="2443568423"/>
-      </p:ext>
-    </p:extLst>
-  </p:cSld>
-  <p:clrMapOvr>
-    <a:masterClrMapping/>
-  </p:clrMapOvr>
-  <mc:AlternateContent xmlns:mc="http://schemas.openxmlformats.org/markup-compatibility/2006" xmlns:p14="http://schemas.microsoft.com/office/powerpoint/2010/main">
-    <mc:Choice Requires="p14">
-      <p:transition spd="med" p14:dur="700">
-        <p:fade/>
-      </p:transition>
-    </mc:Choice>
-    <mc:Fallback xmlns="">
-      <p:transition spd="med">
-        <p:fade/>
-      </p:transition>
-    </mc:Fallback>
-  </mc:AlternateContent>
-  <p:timing>
-    <p:tnLst>
-      <p:par>
-        <p:cTn id="1" dur="indefinite" restart="never" nodeType="tmRoot"/>
-      </p:par>
-    </p:tnLst>
-  </p:timing>
-</p:sld>
-</file>
-
-<file path=ppt/slides/slide31.xml><?xml version="1.0" encoding="utf-8"?>
-<p:sld xmlns:a="http://schemas.openxmlformats.org/drawingml/2006/main" xmlns:r="http://schemas.openxmlformats.org/officeDocument/2006/relationships" xmlns:p="http://schemas.openxmlformats.org/presentationml/2006/main">
-  <p:cSld>
-    <p:spTree>
-      <p:nvGrpSpPr>
-        <p:cNvPr id="1" name=""/>
-        <p:cNvGrpSpPr/>
-        <p:nvPr/>
-      </p:nvGrpSpPr>
-      <p:grpSpPr>
-        <a:xfrm>
-          <a:off x="0" y="0"/>
-          <a:ext cx="0" cy="0"/>
-          <a:chOff x="0" y="0"/>
-          <a:chExt cx="0" cy="0"/>
-        </a:xfrm>
-      </p:grpSpPr>
-      <p:sp>
-        <p:nvSpPr>
-          <p:cNvPr id="2" name="Title 1"/>
-          <p:cNvSpPr>
-            <a:spLocks noGrp="1"/>
-          </p:cNvSpPr>
-          <p:nvPr>
-            <p:ph type="title"/>
-          </p:nvPr>
-        </p:nvSpPr>
-        <p:spPr>
-          <a:xfrm>
-            <a:off x="196658" y="79502"/>
-            <a:ext cx="9601200" cy="766344"/>
-          </a:xfrm>
-        </p:spPr>
-        <p:txBody>
-          <a:bodyPr/>
-          <a:lstStyle/>
-          <a:p>
-            <a:r>
-              <a:rPr lang="en-GB" dirty="0" smtClean="0"/>
-              <a:t>Use Exceptions for Errors</a:t>
-            </a:r>
-            <a:endParaRPr lang="en-GB" dirty="0"/>
-          </a:p>
-        </p:txBody>
-      </p:sp>
-      <p:pic>
-        <p:nvPicPr>
-          <p:cNvPr id="3" name="Picture 2"/>
-          <p:cNvPicPr>
-            <a:picLocks noChangeAspect="1"/>
-          </p:cNvPicPr>
-          <p:nvPr/>
-        </p:nvPicPr>
-        <p:blipFill>
-          <a:blip r:embed="rId2"/>
-          <a:stretch>
-            <a:fillRect/>
-          </a:stretch>
-        </p:blipFill>
-        <p:spPr>
-          <a:xfrm>
-            <a:off x="500331" y="1533897"/>
-            <a:ext cx="11171209" cy="5097419"/>
-          </a:xfrm>
-          <a:prstGeom prst="rect">
-            <a:avLst/>
-          </a:prstGeom>
-        </p:spPr>
-      </p:pic>
-      <p:sp>
-        <p:nvSpPr>
-          <p:cNvPr id="4" name="TextBox 3"/>
-          <p:cNvSpPr txBox="1"/>
-          <p:nvPr/>
-        </p:nvSpPr>
-        <p:spPr>
-          <a:xfrm>
-            <a:off x="311988" y="1164566"/>
-            <a:ext cx="10610491" cy="369332"/>
-          </a:xfrm>
-          <a:prstGeom prst="rect">
-            <a:avLst/>
-          </a:prstGeom>
-          <a:noFill/>
-        </p:spPr>
-        <p:txBody>
-          <a:bodyPr wrap="square" rtlCol="0">
-            <a:spAutoFit/>
-          </a:bodyPr>
-          <a:lstStyle/>
-          <a:p>
-            <a:r>
-              <a:rPr lang="en-GB" dirty="0" smtClean="0"/>
-              <a:t>Instead of status codes or Booleans </a:t>
-            </a:r>
-            <a:r>
-              <a:rPr lang="en-GB" dirty="0" err="1" smtClean="0"/>
-              <a:t>eg</a:t>
-            </a:r>
-            <a:r>
-              <a:rPr lang="en-GB" dirty="0" smtClean="0"/>
-              <a:t> here is a SQL Command failing.. Want it to throw an exception</a:t>
-            </a:r>
-            <a:endParaRPr lang="en-GB" dirty="0"/>
-          </a:p>
-        </p:txBody>
-      </p:sp>
-    </p:spTree>
-    <p:extLst>
-      <p:ext uri="{BB962C8B-B14F-4D97-AF65-F5344CB8AC3E}">
-        <p14:creationId xmlns:p14="http://schemas.microsoft.com/office/powerpoint/2010/main" val="736137848"/>
-      </p:ext>
-    </p:extLst>
-  </p:cSld>
-  <p:clrMapOvr>
-    <a:masterClrMapping/>
-  </p:clrMapOvr>
-  <mc:AlternateContent xmlns:mc="http://schemas.openxmlformats.org/markup-compatibility/2006" xmlns:p14="http://schemas.microsoft.com/office/powerpoint/2010/main">
-    <mc:Choice Requires="p14">
-      <p:transition spd="med" p14:dur="700">
-        <p:fade/>
-      </p:transition>
-    </mc:Choice>
-    <mc:Fallback xmlns="">
-      <p:transition spd="med">
-        <p:fade/>
-      </p:transition>
-    </mc:Fallback>
-  </mc:AlternateContent>
-  <p:timing>
-    <p:tnLst>
-      <p:par>
-        <p:cTn id="1" dur="indefinite" restart="never" nodeType="tmRoot"/>
-      </p:par>
-    </p:tnLst>
-  </p:timing>
-</p:sld>
-</file>
-
-<file path=ppt/slides/slide32.xml><?xml version="1.0" encoding="utf-8"?>
+<file path=ppt/slides/slide33.xml><?xml version="1.0" encoding="utf-8"?>
 <p:sld xmlns:a="http://schemas.openxmlformats.org/drawingml/2006/main" xmlns:r="http://schemas.openxmlformats.org/officeDocument/2006/relationships" xmlns:p="http://schemas.openxmlformats.org/presentationml/2006/main">
   <p:cSld>
     <p:spTree>
@@ -19644,7 +19895,508 @@
 </p:sld>
 </file>
 
-<file path=ppt/slides/slide33.xml><?xml version="1.0" encoding="utf-8"?>
+<file path=ppt/slides/slide34.xml><?xml version="1.0" encoding="utf-8"?>
+<p:sld xmlns:a="http://schemas.openxmlformats.org/drawingml/2006/main" xmlns:r="http://schemas.openxmlformats.org/officeDocument/2006/relationships" xmlns:p="http://schemas.openxmlformats.org/presentationml/2006/main">
+  <p:cSld>
+    <p:spTree>
+      <p:nvGrpSpPr>
+        <p:cNvPr id="1" name=""/>
+        <p:cNvGrpSpPr/>
+        <p:nvPr/>
+      </p:nvGrpSpPr>
+      <p:grpSpPr>
+        <a:xfrm>
+          <a:off x="0" y="0"/>
+          <a:ext cx="0" cy="0"/>
+          <a:chOff x="0" y="0"/>
+          <a:chExt cx="0" cy="0"/>
+        </a:xfrm>
+      </p:grpSpPr>
+      <p:sp>
+        <p:nvSpPr>
+          <p:cNvPr id="2" name="Title 1"/>
+          <p:cNvSpPr>
+            <a:spLocks noGrp="1"/>
+          </p:cNvSpPr>
+          <p:nvPr>
+            <p:ph type="title"/>
+          </p:nvPr>
+        </p:nvSpPr>
+        <p:spPr/>
+        <p:txBody>
+          <a:bodyPr/>
+          <a:lstStyle/>
+          <a:p>
+            <a:r>
+              <a:rPr lang="en-US" dirty="0" smtClean="0"/>
+              <a:t>Refactoring towards Performance</a:t>
+            </a:r>
+            <a:endParaRPr lang="en-GB" dirty="0"/>
+          </a:p>
+        </p:txBody>
+      </p:sp>
+      <p:sp>
+        <p:nvSpPr>
+          <p:cNvPr id="3" name="TextBox 2"/>
+          <p:cNvSpPr txBox="1"/>
+          <p:nvPr/>
+        </p:nvSpPr>
+        <p:spPr>
+          <a:xfrm>
+            <a:off x="929127" y="2008165"/>
+            <a:ext cx="1191352" cy="369332"/>
+          </a:xfrm>
+          <a:prstGeom prst="rect">
+            <a:avLst/>
+          </a:prstGeom>
+          <a:noFill/>
+        </p:spPr>
+        <p:txBody>
+          <a:bodyPr wrap="none" rtlCol="0">
+            <a:spAutoFit/>
+          </a:bodyPr>
+          <a:lstStyle/>
+          <a:p>
+            <a:pPr marL="285750" indent="-285750">
+              <a:buFont typeface="Arial" panose="020B0604020202020204" pitchFamily="34" charset="0"/>
+              <a:buChar char="•"/>
+            </a:pPr>
+            <a:r>
+              <a:rPr lang="en-US" dirty="0" err="1" smtClean="0"/>
+              <a:t>Netling</a:t>
+            </a:r>
+            <a:endParaRPr lang="en-GB" dirty="0"/>
+          </a:p>
+        </p:txBody>
+      </p:sp>
+    </p:spTree>
+    <p:extLst>
+      <p:ext uri="{BB962C8B-B14F-4D97-AF65-F5344CB8AC3E}">
+        <p14:creationId xmlns:p14="http://schemas.microsoft.com/office/powerpoint/2010/main" val="721988729"/>
+      </p:ext>
+    </p:extLst>
+  </p:cSld>
+  <p:clrMapOvr>
+    <a:masterClrMapping/>
+  </p:clrMapOvr>
+  <mc:AlternateContent xmlns:mc="http://schemas.openxmlformats.org/markup-compatibility/2006" xmlns:p14="http://schemas.microsoft.com/office/powerpoint/2010/main">
+    <mc:Choice Requires="p14">
+      <p:transition spd="med" p14:dur="700">
+        <p:fade/>
+      </p:transition>
+    </mc:Choice>
+    <mc:Fallback xmlns="">
+      <p:transition spd="med">
+        <p:fade/>
+      </p:transition>
+    </mc:Fallback>
+  </mc:AlternateContent>
+</p:sld>
+</file>
+
+<file path=ppt/slides/slide35.xml><?xml version="1.0" encoding="utf-8"?>
+<p:sld xmlns:a="http://schemas.openxmlformats.org/drawingml/2006/main" xmlns:r="http://schemas.openxmlformats.org/officeDocument/2006/relationships" xmlns:p="http://schemas.openxmlformats.org/presentationml/2006/main">
+  <p:cSld>
+    <p:spTree>
+      <p:nvGrpSpPr>
+        <p:cNvPr id="1" name=""/>
+        <p:cNvGrpSpPr/>
+        <p:nvPr/>
+      </p:nvGrpSpPr>
+      <p:grpSpPr>
+        <a:xfrm>
+          <a:off x="0" y="0"/>
+          <a:ext cx="0" cy="0"/>
+          <a:chOff x="0" y="0"/>
+          <a:chExt cx="0" cy="0"/>
+        </a:xfrm>
+      </p:grpSpPr>
+      <p:sp>
+        <p:nvSpPr>
+          <p:cNvPr id="2" name="Title 1"/>
+          <p:cNvSpPr>
+            <a:spLocks noGrp="1"/>
+          </p:cNvSpPr>
+          <p:nvPr>
+            <p:ph type="title"/>
+          </p:nvPr>
+        </p:nvSpPr>
+        <p:spPr/>
+        <p:txBody>
+          <a:bodyPr/>
+          <a:lstStyle/>
+          <a:p>
+            <a:r>
+              <a:rPr lang="en-US" dirty="0" smtClean="0"/>
+              <a:t>Refactoring towards Summary</a:t>
+            </a:r>
+            <a:endParaRPr lang="en-GB" dirty="0"/>
+          </a:p>
+        </p:txBody>
+      </p:sp>
+      <p:sp>
+        <p:nvSpPr>
+          <p:cNvPr id="3" name="TextBox 2"/>
+          <p:cNvSpPr txBox="1"/>
+          <p:nvPr/>
+        </p:nvSpPr>
+        <p:spPr>
+          <a:xfrm>
+            <a:off x="929127" y="2008165"/>
+            <a:ext cx="3948517" cy="923330"/>
+          </a:xfrm>
+          <a:prstGeom prst="rect">
+            <a:avLst/>
+          </a:prstGeom>
+          <a:noFill/>
+        </p:spPr>
+        <p:txBody>
+          <a:bodyPr wrap="none" rtlCol="0">
+            <a:spAutoFit/>
+          </a:bodyPr>
+          <a:lstStyle/>
+          <a:p>
+            <a:pPr marL="285750" indent="-285750">
+              <a:buFont typeface="Arial" panose="020B0604020202020204" pitchFamily="34" charset="0"/>
+              <a:buChar char="•"/>
+            </a:pPr>
+            <a:r>
+              <a:rPr lang="en-US" dirty="0" smtClean="0"/>
+              <a:t>Measure!</a:t>
+            </a:r>
+          </a:p>
+          <a:p>
+            <a:pPr marL="285750" indent="-285750">
+              <a:buFont typeface="Arial" panose="020B0604020202020204" pitchFamily="34" charset="0"/>
+              <a:buChar char="•"/>
+            </a:pPr>
+            <a:r>
+              <a:rPr lang="en-US" dirty="0" err="1" smtClean="0"/>
+              <a:t>Miniprofiler</a:t>
+            </a:r>
+            <a:r>
+              <a:rPr lang="en-US" dirty="0" smtClean="0"/>
+              <a:t> – </a:t>
+            </a:r>
+            <a:r>
+              <a:rPr lang="en-US" dirty="0" err="1" smtClean="0"/>
+              <a:t>db</a:t>
+            </a:r>
+            <a:r>
+              <a:rPr lang="en-US" dirty="0" smtClean="0"/>
+              <a:t> query times</a:t>
+            </a:r>
+          </a:p>
+          <a:p>
+            <a:pPr marL="285750" indent="-285750">
+              <a:buFont typeface="Arial" panose="020B0604020202020204" pitchFamily="34" charset="0"/>
+              <a:buChar char="•"/>
+            </a:pPr>
+            <a:r>
+              <a:rPr lang="en-US" dirty="0" err="1" smtClean="0"/>
+              <a:t>Netling</a:t>
+            </a:r>
+            <a:r>
+              <a:rPr lang="en-US" dirty="0" smtClean="0"/>
+              <a:t> – actual page serving time</a:t>
+            </a:r>
+            <a:endParaRPr lang="en-GB" dirty="0"/>
+          </a:p>
+        </p:txBody>
+      </p:sp>
+    </p:spTree>
+    <p:extLst>
+      <p:ext uri="{BB962C8B-B14F-4D97-AF65-F5344CB8AC3E}">
+        <p14:creationId xmlns:p14="http://schemas.microsoft.com/office/powerpoint/2010/main" val="1282613147"/>
+      </p:ext>
+    </p:extLst>
+  </p:cSld>
+  <p:clrMapOvr>
+    <a:masterClrMapping/>
+  </p:clrMapOvr>
+  <mc:AlternateContent xmlns:mc="http://schemas.openxmlformats.org/markup-compatibility/2006" xmlns:p14="http://schemas.microsoft.com/office/powerpoint/2010/main">
+    <mc:Choice Requires="p14">
+      <p:transition spd="med" p14:dur="700">
+        <p:fade/>
+      </p:transition>
+    </mc:Choice>
+    <mc:Fallback xmlns="">
+      <p:transition spd="med">
+        <p:fade/>
+      </p:transition>
+    </mc:Fallback>
+  </mc:AlternateContent>
+</p:sld>
+</file>
+
+<file path=ppt/slides/slide36.xml><?xml version="1.0" encoding="utf-8"?>
+<p:sld xmlns:a="http://schemas.openxmlformats.org/drawingml/2006/main" xmlns:r="http://schemas.openxmlformats.org/officeDocument/2006/relationships" xmlns:p="http://schemas.openxmlformats.org/presentationml/2006/main">
+  <p:cSld>
+    <p:spTree>
+      <p:nvGrpSpPr>
+        <p:cNvPr id="1" name=""/>
+        <p:cNvGrpSpPr/>
+        <p:nvPr/>
+      </p:nvGrpSpPr>
+      <p:grpSpPr>
+        <a:xfrm>
+          <a:off x="0" y="0"/>
+          <a:ext cx="0" cy="0"/>
+          <a:chOff x="0" y="0"/>
+          <a:chExt cx="0" cy="0"/>
+        </a:xfrm>
+      </p:grpSpPr>
+      <p:sp>
+        <p:nvSpPr>
+          <p:cNvPr id="2" name="Title 1"/>
+          <p:cNvSpPr>
+            <a:spLocks noGrp="1"/>
+          </p:cNvSpPr>
+          <p:nvPr>
+            <p:ph type="title"/>
+          </p:nvPr>
+        </p:nvSpPr>
+        <p:spPr/>
+        <p:txBody>
+          <a:bodyPr/>
+          <a:lstStyle/>
+          <a:p>
+            <a:r>
+              <a:rPr lang="en-US" dirty="0" smtClean="0"/>
+              <a:t>Refactoring Deployment</a:t>
+            </a:r>
+            <a:endParaRPr lang="en-GB" dirty="0"/>
+          </a:p>
+        </p:txBody>
+      </p:sp>
+      <p:sp>
+        <p:nvSpPr>
+          <p:cNvPr id="3" name="TextBox 2"/>
+          <p:cNvSpPr txBox="1"/>
+          <p:nvPr/>
+        </p:nvSpPr>
+        <p:spPr>
+          <a:xfrm>
+            <a:off x="929127" y="2008165"/>
+            <a:ext cx="2973891" cy="923330"/>
+          </a:xfrm>
+          <a:prstGeom prst="rect">
+            <a:avLst/>
+          </a:prstGeom>
+          <a:noFill/>
+        </p:spPr>
+        <p:txBody>
+          <a:bodyPr wrap="none" rtlCol="0">
+            <a:spAutoFit/>
+          </a:bodyPr>
+          <a:lstStyle/>
+          <a:p>
+            <a:pPr marL="285750" indent="-285750">
+              <a:buFont typeface="Arial" panose="020B0604020202020204" pitchFamily="34" charset="0"/>
+              <a:buChar char="•"/>
+            </a:pPr>
+            <a:r>
+              <a:rPr lang="en-US" dirty="0" smtClean="0"/>
+              <a:t>Demo push to </a:t>
+            </a:r>
+            <a:r>
+              <a:rPr lang="en-US" dirty="0" err="1" smtClean="0"/>
+              <a:t>bitbucket</a:t>
+            </a:r>
+            <a:endParaRPr lang="en-US" dirty="0" smtClean="0"/>
+          </a:p>
+          <a:p>
+            <a:pPr marL="285750" indent="-285750">
+              <a:buFont typeface="Arial" panose="020B0604020202020204" pitchFamily="34" charset="0"/>
+              <a:buChar char="•"/>
+            </a:pPr>
+            <a:r>
+              <a:rPr lang="en-US" dirty="0" err="1" smtClean="0"/>
+              <a:t>Appveyor</a:t>
+            </a:r>
+            <a:r>
+              <a:rPr lang="en-US" dirty="0" smtClean="0"/>
+              <a:t> integration</a:t>
+            </a:r>
+          </a:p>
+          <a:p>
+            <a:pPr marL="285750" indent="-285750">
+              <a:buFont typeface="Arial" panose="020B0604020202020204" pitchFamily="34" charset="0"/>
+              <a:buChar char="•"/>
+            </a:pPr>
+            <a:r>
+              <a:rPr lang="en-US" dirty="0" smtClean="0"/>
+              <a:t>Auto deploy if tests pass</a:t>
+            </a:r>
+            <a:endParaRPr lang="en-GB" dirty="0"/>
+          </a:p>
+        </p:txBody>
+      </p:sp>
+    </p:spTree>
+    <p:extLst>
+      <p:ext uri="{BB962C8B-B14F-4D97-AF65-F5344CB8AC3E}">
+        <p14:creationId xmlns:p14="http://schemas.microsoft.com/office/powerpoint/2010/main" val="3599843231"/>
+      </p:ext>
+    </p:extLst>
+  </p:cSld>
+  <p:clrMapOvr>
+    <a:masterClrMapping/>
+  </p:clrMapOvr>
+  <mc:AlternateContent xmlns:mc="http://schemas.openxmlformats.org/markup-compatibility/2006" xmlns:p14="http://schemas.microsoft.com/office/powerpoint/2010/main">
+    <mc:Choice Requires="p14">
+      <p:transition spd="med" p14:dur="700">
+        <p:fade/>
+      </p:transition>
+    </mc:Choice>
+    <mc:Fallback xmlns="">
+      <p:transition spd="med">
+        <p:fade/>
+      </p:transition>
+    </mc:Fallback>
+  </mc:AlternateContent>
+</p:sld>
+</file>
+
+<file path=ppt/slides/slide37.xml><?xml version="1.0" encoding="utf-8"?>
+<p:sld xmlns:a="http://schemas.openxmlformats.org/drawingml/2006/main" xmlns:r="http://schemas.openxmlformats.org/officeDocument/2006/relationships" xmlns:p="http://schemas.openxmlformats.org/presentationml/2006/main">
+  <p:cSld>
+    <p:spTree>
+      <p:nvGrpSpPr>
+        <p:cNvPr id="1" name=""/>
+        <p:cNvGrpSpPr/>
+        <p:nvPr/>
+      </p:nvGrpSpPr>
+      <p:grpSpPr>
+        <a:xfrm>
+          <a:off x="0" y="0"/>
+          <a:ext cx="0" cy="0"/>
+          <a:chOff x="0" y="0"/>
+          <a:chExt cx="0" cy="0"/>
+        </a:xfrm>
+      </p:grpSpPr>
+      <p:sp>
+        <p:nvSpPr>
+          <p:cNvPr id="2" name="Title 1"/>
+          <p:cNvSpPr>
+            <a:spLocks noGrp="1"/>
+          </p:cNvSpPr>
+          <p:nvPr>
+            <p:ph type="title"/>
+          </p:nvPr>
+        </p:nvSpPr>
+        <p:spPr>
+          <a:xfrm>
+            <a:off x="196658" y="79502"/>
+            <a:ext cx="9601200" cy="766344"/>
+          </a:xfrm>
+        </p:spPr>
+        <p:txBody>
+          <a:bodyPr/>
+          <a:lstStyle/>
+          <a:p>
+            <a:r>
+              <a:rPr lang="en-GB" dirty="0" smtClean="0"/>
+              <a:t>Use Exceptions for Errors</a:t>
+            </a:r>
+            <a:endParaRPr lang="en-GB" dirty="0"/>
+          </a:p>
+        </p:txBody>
+      </p:sp>
+      <p:pic>
+        <p:nvPicPr>
+          <p:cNvPr id="3" name="Picture 2"/>
+          <p:cNvPicPr>
+            <a:picLocks noChangeAspect="1"/>
+          </p:cNvPicPr>
+          <p:nvPr/>
+        </p:nvPicPr>
+        <p:blipFill>
+          <a:blip r:embed="rId2"/>
+          <a:stretch>
+            <a:fillRect/>
+          </a:stretch>
+        </p:blipFill>
+        <p:spPr>
+          <a:xfrm>
+            <a:off x="500331" y="1533897"/>
+            <a:ext cx="11171209" cy="5097419"/>
+          </a:xfrm>
+          <a:prstGeom prst="rect">
+            <a:avLst/>
+          </a:prstGeom>
+        </p:spPr>
+      </p:pic>
+      <p:sp>
+        <p:nvSpPr>
+          <p:cNvPr id="4" name="TextBox 3"/>
+          <p:cNvSpPr txBox="1"/>
+          <p:nvPr/>
+        </p:nvSpPr>
+        <p:spPr>
+          <a:xfrm>
+            <a:off x="311988" y="1164566"/>
+            <a:ext cx="10610491" cy="369332"/>
+          </a:xfrm>
+          <a:prstGeom prst="rect">
+            <a:avLst/>
+          </a:prstGeom>
+          <a:noFill/>
+        </p:spPr>
+        <p:txBody>
+          <a:bodyPr wrap="square" rtlCol="0">
+            <a:spAutoFit/>
+          </a:bodyPr>
+          <a:lstStyle/>
+          <a:p>
+            <a:r>
+              <a:rPr lang="en-GB" dirty="0" smtClean="0"/>
+              <a:t>Instead of status codes or Booleans </a:t>
+            </a:r>
+            <a:r>
+              <a:rPr lang="en-GB" dirty="0" err="1" smtClean="0"/>
+              <a:t>eg</a:t>
+            </a:r>
+            <a:r>
+              <a:rPr lang="en-GB" dirty="0" smtClean="0"/>
+              <a:t> here is a SQL Command failing.. Want it to throw an exception</a:t>
+            </a:r>
+            <a:endParaRPr lang="en-GB" dirty="0"/>
+          </a:p>
+        </p:txBody>
+      </p:sp>
+    </p:spTree>
+    <p:extLst>
+      <p:ext uri="{BB962C8B-B14F-4D97-AF65-F5344CB8AC3E}">
+        <p14:creationId xmlns:p14="http://schemas.microsoft.com/office/powerpoint/2010/main" val="736137848"/>
+      </p:ext>
+    </p:extLst>
+  </p:cSld>
+  <p:clrMapOvr>
+    <a:masterClrMapping/>
+  </p:clrMapOvr>
+  <mc:AlternateContent xmlns:mc="http://schemas.openxmlformats.org/markup-compatibility/2006" xmlns:p14="http://schemas.microsoft.com/office/powerpoint/2010/main">
+    <mc:Choice Requires="p14">
+      <p:transition spd="med" p14:dur="700">
+        <p:fade/>
+      </p:transition>
+    </mc:Choice>
+    <mc:Fallback xmlns="">
+      <p:transition spd="med">
+        <p:fade/>
+      </p:transition>
+    </mc:Fallback>
+  </mc:AlternateContent>
+  <p:timing>
+    <p:tnLst>
+      <p:par>
+        <p:cTn id="1" dur="indefinite" restart="never" nodeType="tmRoot"/>
+      </p:par>
+    </p:tnLst>
+  </p:timing>
+</p:sld>
+</file>
+
+<file path=ppt/slides/slide38.xml><?xml version="1.0" encoding="utf-8"?>
 <p:sld xmlns:a="http://schemas.openxmlformats.org/drawingml/2006/main" xmlns:r="http://schemas.openxmlformats.org/officeDocument/2006/relationships" xmlns:p="http://schemas.openxmlformats.org/presentationml/2006/main">
   <p:cSld>
     <p:spTree>
@@ -19775,200 +20527,7 @@
 </p:sld>
 </file>
 
-<file path=ppt/slides/slide34.xml><?xml version="1.0" encoding="utf-8"?>
-<p:sld xmlns:a="http://schemas.openxmlformats.org/drawingml/2006/main" xmlns:r="http://schemas.openxmlformats.org/officeDocument/2006/relationships" xmlns:p="http://schemas.openxmlformats.org/presentationml/2006/main">
-  <p:cSld>
-    <p:spTree>
-      <p:nvGrpSpPr>
-        <p:cNvPr id="1" name=""/>
-        <p:cNvGrpSpPr/>
-        <p:nvPr/>
-      </p:nvGrpSpPr>
-      <p:grpSpPr>
-        <a:xfrm>
-          <a:off x="0" y="0"/>
-          <a:ext cx="0" cy="0"/>
-          <a:chOff x="0" y="0"/>
-          <a:chExt cx="0" cy="0"/>
-        </a:xfrm>
-      </p:grpSpPr>
-      <p:sp>
-        <p:nvSpPr>
-          <p:cNvPr id="2" name="Title 1"/>
-          <p:cNvSpPr>
-            <a:spLocks noGrp="1"/>
-          </p:cNvSpPr>
-          <p:nvPr>
-            <p:ph type="title"/>
-          </p:nvPr>
-        </p:nvSpPr>
-        <p:spPr>
-          <a:xfrm>
-            <a:off x="199845" y="119374"/>
-            <a:ext cx="9601200" cy="700136"/>
-          </a:xfrm>
-        </p:spPr>
-        <p:txBody>
-          <a:bodyPr/>
-          <a:lstStyle/>
-          <a:p>
-            <a:r>
-              <a:rPr lang="en-GB" dirty="0" smtClean="0"/>
-              <a:t>Command</a:t>
-            </a:r>
-            <a:endParaRPr lang="en-GB" dirty="0"/>
-          </a:p>
-        </p:txBody>
-      </p:sp>
-      <p:pic>
-        <p:nvPicPr>
-          <p:cNvPr id="3" name="Picture 2"/>
-          <p:cNvPicPr>
-            <a:picLocks noChangeAspect="1"/>
-          </p:cNvPicPr>
-          <p:nvPr/>
-        </p:nvPicPr>
-        <p:blipFill>
-          <a:blip r:embed="rId2"/>
-          <a:stretch>
-            <a:fillRect/>
-          </a:stretch>
-        </p:blipFill>
-        <p:spPr>
-          <a:xfrm>
-            <a:off x="199845" y="819510"/>
-            <a:ext cx="8405921" cy="3572743"/>
-          </a:xfrm>
-          <a:prstGeom prst="rect">
-            <a:avLst/>
-          </a:prstGeom>
-        </p:spPr>
-      </p:pic>
-      <p:pic>
-        <p:nvPicPr>
-          <p:cNvPr id="4" name="Picture 3"/>
-          <p:cNvPicPr>
-            <a:picLocks noChangeAspect="1"/>
-          </p:cNvPicPr>
-          <p:nvPr/>
-        </p:nvPicPr>
-        <p:blipFill>
-          <a:blip r:embed="rId3"/>
-          <a:stretch>
-            <a:fillRect/>
-          </a:stretch>
-        </p:blipFill>
-        <p:spPr>
-          <a:xfrm>
-            <a:off x="6265733" y="4264947"/>
-            <a:ext cx="5651013" cy="2498162"/>
-          </a:xfrm>
-          <a:prstGeom prst="rect">
-            <a:avLst/>
-          </a:prstGeom>
-        </p:spPr>
-      </p:pic>
-    </p:spTree>
-    <p:extLst>
-      <p:ext uri="{BB962C8B-B14F-4D97-AF65-F5344CB8AC3E}">
-        <p14:creationId xmlns:p14="http://schemas.microsoft.com/office/powerpoint/2010/main" val="3258582784"/>
-      </p:ext>
-    </p:extLst>
-  </p:cSld>
-  <p:clrMapOvr>
-    <a:masterClrMapping/>
-  </p:clrMapOvr>
-  <mc:AlternateContent xmlns:mc="http://schemas.openxmlformats.org/markup-compatibility/2006" xmlns:p14="http://schemas.microsoft.com/office/powerpoint/2010/main">
-    <mc:Choice Requires="p14">
-      <p:transition spd="med" p14:dur="700">
-        <p:fade/>
-      </p:transition>
-    </mc:Choice>
-    <mc:Fallback xmlns="">
-      <p:transition spd="med">
-        <p:fade/>
-      </p:transition>
-    </mc:Fallback>
-  </mc:AlternateContent>
-  <p:timing>
-    <p:tnLst>
-      <p:par>
-        <p:cTn id="1" dur="indefinite" restart="never" nodeType="tmRoot">
-          <p:childTnLst>
-            <p:seq concurrent="1" nextAc="seek">
-              <p:cTn id="2" dur="indefinite" nodeType="mainSeq">
-                <p:childTnLst>
-                  <p:par>
-                    <p:cTn id="3" fill="hold">
-                      <p:stCondLst>
-                        <p:cond delay="indefinite"/>
-                      </p:stCondLst>
-                      <p:childTnLst>
-                        <p:par>
-                          <p:cTn id="4" fill="hold">
-                            <p:stCondLst>
-                              <p:cond delay="0"/>
-                            </p:stCondLst>
-                            <p:childTnLst>
-                              <p:par>
-                                <p:cTn id="5" presetID="1" presetClass="entr" presetSubtype="0" fill="hold" nodeType="clickEffect">
-                                  <p:stCondLst>
-                                    <p:cond delay="0"/>
-                                  </p:stCondLst>
-                                  <p:childTnLst>
-                                    <p:set>
-                                      <p:cBhvr>
-                                        <p:cTn id="6" dur="1" fill="hold">
-                                          <p:stCondLst>
-                                            <p:cond delay="0"/>
-                                          </p:stCondLst>
-                                        </p:cTn>
-                                        <p:tgtEl>
-                                          <p:spTgt spid="4"/>
-                                        </p:tgtEl>
-                                        <p:attrNameLst>
-                                          <p:attrName>style.visibility</p:attrName>
-                                        </p:attrNameLst>
-                                      </p:cBhvr>
-                                      <p:to>
-                                        <p:strVal val="visible"/>
-                                      </p:to>
-                                    </p:set>
-                                  </p:childTnLst>
-                                </p:cTn>
-                              </p:par>
-                            </p:childTnLst>
-                          </p:cTn>
-                        </p:par>
-                      </p:childTnLst>
-                    </p:cTn>
-                  </p:par>
-                </p:childTnLst>
-              </p:cTn>
-              <p:prevCondLst>
-                <p:cond evt="onPrev" delay="0">
-                  <p:tgtEl>
-                    <p:sldTgt/>
-                  </p:tgtEl>
-                </p:cond>
-              </p:prevCondLst>
-              <p:nextCondLst>
-                <p:cond evt="onNext" delay="0">
-                  <p:tgtEl>
-                    <p:sldTgt/>
-                  </p:tgtEl>
-                </p:cond>
-              </p:nextCondLst>
-            </p:seq>
-          </p:childTnLst>
-        </p:cTn>
-      </p:par>
-    </p:tnLst>
-  </p:timing>
-</p:sld>
-</file>
-
-<file path=ppt/slides/slide35.xml><?xml version="1.0" encoding="utf-8"?>
+<file path=ppt/slides/slide39.xml><?xml version="1.0" encoding="utf-8"?>
 <p:sld xmlns:a="http://schemas.openxmlformats.org/drawingml/2006/main" xmlns:r="http://schemas.openxmlformats.org/officeDocument/2006/relationships" xmlns:p="http://schemas.openxmlformats.org/presentationml/2006/main">
   <p:cSld>
     <p:spTree>
@@ -20041,312 +20600,6 @@
     <p:extLst>
       <p:ext uri="{BB962C8B-B14F-4D97-AF65-F5344CB8AC3E}">
         <p14:creationId xmlns:p14="http://schemas.microsoft.com/office/powerpoint/2010/main" val="3136744369"/>
-      </p:ext>
-    </p:extLst>
-  </p:cSld>
-  <p:clrMapOvr>
-    <a:masterClrMapping/>
-  </p:clrMapOvr>
-  <mc:AlternateContent xmlns:mc="http://schemas.openxmlformats.org/markup-compatibility/2006" xmlns:p14="http://schemas.microsoft.com/office/powerpoint/2010/main">
-    <mc:Choice Requires="p14">
-      <p:transition spd="med" p14:dur="700">
-        <p:fade/>
-      </p:transition>
-    </mc:Choice>
-    <mc:Fallback xmlns="">
-      <p:transition spd="med">
-        <p:fade/>
-      </p:transition>
-    </mc:Fallback>
-  </mc:AlternateContent>
-  <p:timing>
-    <p:tnLst>
-      <p:par>
-        <p:cTn id="1" dur="indefinite" restart="never" nodeType="tmRoot"/>
-      </p:par>
-    </p:tnLst>
-  </p:timing>
-</p:sld>
-</file>
-
-<file path=ppt/slides/slide36.xml><?xml version="1.0" encoding="utf-8"?>
-<p:sld xmlns:a="http://schemas.openxmlformats.org/drawingml/2006/main" xmlns:r="http://schemas.openxmlformats.org/officeDocument/2006/relationships" xmlns:p="http://schemas.openxmlformats.org/presentationml/2006/main">
-  <p:cSld>
-    <p:spTree>
-      <p:nvGrpSpPr>
-        <p:cNvPr id="1" name=""/>
-        <p:cNvGrpSpPr/>
-        <p:nvPr/>
-      </p:nvGrpSpPr>
-      <p:grpSpPr>
-        <a:xfrm>
-          <a:off x="0" y="0"/>
-          <a:ext cx="0" cy="0"/>
-          <a:chOff x="0" y="0"/>
-          <a:chExt cx="0" cy="0"/>
-        </a:xfrm>
-      </p:grpSpPr>
-      <p:sp>
-        <p:nvSpPr>
-          <p:cNvPr id="4" name="Title 3"/>
-          <p:cNvSpPr>
-            <a:spLocks noGrp="1"/>
-          </p:cNvSpPr>
-          <p:nvPr>
-            <p:ph type="title"/>
-          </p:nvPr>
-        </p:nvSpPr>
-        <p:spPr>
-          <a:xfrm>
-            <a:off x="763095" y="255001"/>
-            <a:ext cx="9361566" cy="1142385"/>
-          </a:xfrm>
-        </p:spPr>
-        <p:txBody>
-          <a:bodyPr>
-            <a:normAutofit/>
-          </a:bodyPr>
-          <a:lstStyle/>
-          <a:p>
-            <a:r>
-              <a:rPr lang="en-GB" dirty="0" smtClean="0"/>
-              <a:t>Developer happiness</a:t>
-            </a:r>
-            <a:br>
-              <a:rPr lang="en-GB" dirty="0" smtClean="0"/>
-            </a:br>
-            <a:r>
-              <a:rPr lang="en-GB" dirty="0" smtClean="0"/>
-              <a:t>and testability</a:t>
-            </a:r>
-            <a:endParaRPr lang="en-GB" dirty="0"/>
-          </a:p>
-        </p:txBody>
-      </p:sp>
-      <p:sp>
-        <p:nvSpPr>
-          <p:cNvPr id="8" name="TextBox 7"/>
-          <p:cNvSpPr txBox="1"/>
-          <p:nvPr/>
-        </p:nvSpPr>
-        <p:spPr>
-          <a:xfrm>
-            <a:off x="763095" y="1725282"/>
-            <a:ext cx="4850305" cy="3970318"/>
-          </a:xfrm>
-          <a:prstGeom prst="rect">
-            <a:avLst/>
-          </a:prstGeom>
-          <a:noFill/>
-        </p:spPr>
-        <p:txBody>
-          <a:bodyPr wrap="square" rtlCol="0">
-            <a:spAutoFit/>
-          </a:bodyPr>
-          <a:lstStyle/>
-          <a:p>
-            <a:r>
-              <a:rPr lang="en-GB" dirty="0" smtClean="0"/>
-              <a:t>1.Rename things</a:t>
-            </a:r>
-          </a:p>
-          <a:p>
-            <a:r>
-              <a:rPr lang="en-GB" dirty="0" smtClean="0"/>
-              <a:t>2.Kill zombies (nearly dead) </a:t>
-            </a:r>
-          </a:p>
-          <a:p>
-            <a:r>
-              <a:rPr lang="en-GB" dirty="0" smtClean="0"/>
-              <a:t>3.Favour short local names </a:t>
-            </a:r>
-          </a:p>
-          <a:p>
-            <a:r>
-              <a:rPr lang="en-GB" dirty="0" smtClean="0"/>
-              <a:t>4.Minimise comments</a:t>
-            </a:r>
-          </a:p>
-          <a:p>
-            <a:r>
-              <a:rPr lang="en-GB" dirty="0" smtClean="0"/>
-              <a:t>5.Encapsulate complexity</a:t>
-            </a:r>
-          </a:p>
-          <a:p>
-            <a:r>
-              <a:rPr lang="en-GB" dirty="0" smtClean="0"/>
-              <a:t>6.Automation / Tooling </a:t>
-            </a:r>
-            <a:endParaRPr lang="en-GB" dirty="0"/>
-          </a:p>
-          <a:p>
-            <a:r>
-              <a:rPr lang="en-GB" dirty="0" smtClean="0"/>
-              <a:t>7.Exceptions bubble up</a:t>
-            </a:r>
-          </a:p>
-          <a:p>
-            <a:r>
-              <a:rPr lang="en-GB" dirty="0" smtClean="0"/>
-              <a:t>8.Performance measure</a:t>
-            </a:r>
-          </a:p>
-          <a:p>
-            <a:r>
-              <a:rPr lang="en-GB" dirty="0" smtClean="0"/>
-              <a:t>9.Rollback transaction integration tests</a:t>
-            </a:r>
-          </a:p>
-          <a:p>
-            <a:r>
-              <a:rPr lang="en-GB" dirty="0" smtClean="0"/>
-              <a:t>10.Log</a:t>
-            </a:r>
-          </a:p>
-          <a:p>
-            <a:r>
-              <a:rPr lang="en-GB" dirty="0" smtClean="0"/>
-              <a:t>11.Favour short methods and classes!</a:t>
-            </a:r>
-            <a:endParaRPr lang="en-GB" dirty="0"/>
-          </a:p>
-          <a:p>
-            <a:endParaRPr lang="en-GB" dirty="0" smtClean="0"/>
-          </a:p>
-          <a:p>
-            <a:r>
-              <a:rPr lang="en-GB" sz="3600" dirty="0" smtClean="0">
-                <a:solidFill>
-                  <a:srgbClr val="0070C0"/>
-                </a:solidFill>
-              </a:rPr>
-              <a:t>Questions</a:t>
-            </a:r>
-            <a:r>
-              <a:rPr lang="en-GB" sz="3600" dirty="0" smtClean="0">
-                <a:solidFill>
-                  <a:srgbClr val="0070C0"/>
-                </a:solidFill>
-              </a:rPr>
-              <a:t>? </a:t>
-            </a:r>
-            <a:endParaRPr lang="en-GB" sz="3600" dirty="0">
-              <a:solidFill>
-                <a:srgbClr val="0070C0"/>
-              </a:solidFill>
-            </a:endParaRPr>
-          </a:p>
-        </p:txBody>
-      </p:sp>
-      <p:pic>
-        <p:nvPicPr>
-          <p:cNvPr id="9" name="Picture 2" descr="WTFs/m."/>
-          <p:cNvPicPr>
-            <a:picLocks noChangeAspect="1" noChangeArrowheads="1"/>
-          </p:cNvPicPr>
-          <p:nvPr/>
-        </p:nvPicPr>
-        <p:blipFill>
-          <a:blip r:embed="rId2">
-            <a:extLst>
-              <a:ext uri="{28A0092B-C50C-407E-A947-70E740481C1C}">
-                <a14:useLocalDpi xmlns:a14="http://schemas.microsoft.com/office/drawing/2010/main" val="0"/>
-              </a:ext>
-            </a:extLst>
-          </a:blip>
-          <a:srcRect/>
-          <a:stretch>
-            <a:fillRect/>
-          </a:stretch>
-        </p:blipFill>
-        <p:spPr bwMode="auto">
-          <a:xfrm>
-            <a:off x="5744193" y="30371"/>
-            <a:ext cx="6341415" cy="5973614"/>
-          </a:xfrm>
-          <a:prstGeom prst="rect">
-            <a:avLst/>
-          </a:prstGeom>
-          <a:noFill/>
-          <a:extLst>
-            <a:ext uri="{909E8E84-426E-40DD-AFC4-6F175D3DCCD1}">
-              <a14:hiddenFill xmlns:a14="http://schemas.microsoft.com/office/drawing/2010/main">
-                <a:solidFill>
-                  <a:srgbClr val="FFFFFF"/>
-                </a:solidFill>
-              </a14:hiddenFill>
-            </a:ext>
-          </a:extLst>
-        </p:spPr>
-      </p:pic>
-      <p:sp>
-        <p:nvSpPr>
-          <p:cNvPr id="2" name="Rectangle 1"/>
-          <p:cNvSpPr/>
-          <p:nvPr/>
-        </p:nvSpPr>
-        <p:spPr>
-          <a:xfrm>
-            <a:off x="763095" y="6241063"/>
-            <a:ext cx="2295821" cy="461665"/>
-          </a:xfrm>
-          <a:prstGeom prst="rect">
-            <a:avLst/>
-          </a:prstGeom>
-        </p:spPr>
-        <p:txBody>
-          <a:bodyPr wrap="none">
-            <a:spAutoFit/>
-          </a:bodyPr>
-          <a:lstStyle/>
-          <a:p>
-            <a:r>
-              <a:rPr lang="en-US" sz="2400" dirty="0" smtClean="0"/>
-              <a:t>@</a:t>
-            </a:r>
-            <a:r>
-              <a:rPr lang="en-US" sz="2400" dirty="0" err="1" smtClean="0"/>
-              <a:t>dave_mateer</a:t>
-            </a:r>
-            <a:endParaRPr lang="en-US" sz="2400" dirty="0"/>
-          </a:p>
-        </p:txBody>
-      </p:sp>
-      <p:sp>
-        <p:nvSpPr>
-          <p:cNvPr id="6" name="Rectangle 5"/>
-          <p:cNvSpPr/>
-          <p:nvPr/>
-        </p:nvSpPr>
-        <p:spPr>
-          <a:xfrm>
-            <a:off x="7010880" y="6249597"/>
-            <a:ext cx="4976042" cy="461665"/>
-          </a:xfrm>
-          <a:prstGeom prst="rect">
-            <a:avLst/>
-          </a:prstGeom>
-        </p:spPr>
-        <p:txBody>
-          <a:bodyPr wrap="none">
-            <a:spAutoFit/>
-          </a:bodyPr>
-          <a:lstStyle/>
-          <a:p>
-            <a:r>
-              <a:rPr lang="en-US" sz="2400" dirty="0" smtClean="0"/>
-              <a:t>http://refactoring.azurewebsites.net</a:t>
-            </a:r>
-            <a:endParaRPr lang="en-US" sz="2400" dirty="0"/>
-          </a:p>
-        </p:txBody>
-      </p:sp>
-    </p:spTree>
-    <p:extLst>
-      <p:ext uri="{BB962C8B-B14F-4D97-AF65-F5344CB8AC3E}">
-        <p14:creationId xmlns:p14="http://schemas.microsoft.com/office/powerpoint/2010/main" val="3243764467"/>
       </p:ext>
     </p:extLst>
   </p:cSld>
@@ -20475,6 +20728,303 @@
     <p:extLst>
       <p:ext uri="{BB962C8B-B14F-4D97-AF65-F5344CB8AC3E}">
         <p14:creationId xmlns:p14="http://schemas.microsoft.com/office/powerpoint/2010/main" val="1207588439"/>
+      </p:ext>
+    </p:extLst>
+  </p:cSld>
+  <p:clrMapOvr>
+    <a:masterClrMapping/>
+  </p:clrMapOvr>
+  <mc:AlternateContent xmlns:mc="http://schemas.openxmlformats.org/markup-compatibility/2006" xmlns:p14="http://schemas.microsoft.com/office/powerpoint/2010/main">
+    <mc:Choice Requires="p14">
+      <p:transition spd="med" p14:dur="700">
+        <p:fade/>
+      </p:transition>
+    </mc:Choice>
+    <mc:Fallback xmlns="">
+      <p:transition spd="med">
+        <p:fade/>
+      </p:transition>
+    </mc:Fallback>
+  </mc:AlternateContent>
+  <p:timing>
+    <p:tnLst>
+      <p:par>
+        <p:cTn id="1" dur="indefinite" restart="never" nodeType="tmRoot"/>
+      </p:par>
+    </p:tnLst>
+  </p:timing>
+</p:sld>
+</file>
+
+<file path=ppt/slides/slide40.xml><?xml version="1.0" encoding="utf-8"?>
+<p:sld xmlns:a="http://schemas.openxmlformats.org/drawingml/2006/main" xmlns:r="http://schemas.openxmlformats.org/officeDocument/2006/relationships" xmlns:p="http://schemas.openxmlformats.org/presentationml/2006/main">
+  <p:cSld>
+    <p:spTree>
+      <p:nvGrpSpPr>
+        <p:cNvPr id="1" name=""/>
+        <p:cNvGrpSpPr/>
+        <p:nvPr/>
+      </p:nvGrpSpPr>
+      <p:grpSpPr>
+        <a:xfrm>
+          <a:off x="0" y="0"/>
+          <a:ext cx="0" cy="0"/>
+          <a:chOff x="0" y="0"/>
+          <a:chExt cx="0" cy="0"/>
+        </a:xfrm>
+      </p:grpSpPr>
+      <p:sp>
+        <p:nvSpPr>
+          <p:cNvPr id="4" name="Title 3"/>
+          <p:cNvSpPr>
+            <a:spLocks noGrp="1"/>
+          </p:cNvSpPr>
+          <p:nvPr>
+            <p:ph type="title"/>
+          </p:nvPr>
+        </p:nvSpPr>
+        <p:spPr>
+          <a:xfrm>
+            <a:off x="763095" y="255001"/>
+            <a:ext cx="9361566" cy="1142385"/>
+          </a:xfrm>
+        </p:spPr>
+        <p:txBody>
+          <a:bodyPr>
+            <a:normAutofit/>
+          </a:bodyPr>
+          <a:lstStyle/>
+          <a:p>
+            <a:r>
+              <a:rPr lang="en-GB" dirty="0" smtClean="0"/>
+              <a:t>Developer happiness</a:t>
+            </a:r>
+            <a:br>
+              <a:rPr lang="en-GB" dirty="0" smtClean="0"/>
+            </a:br>
+            <a:r>
+              <a:rPr lang="en-GB" dirty="0" smtClean="0"/>
+              <a:t>and testability</a:t>
+            </a:r>
+            <a:endParaRPr lang="en-GB" dirty="0"/>
+          </a:p>
+        </p:txBody>
+      </p:sp>
+      <p:sp>
+        <p:nvSpPr>
+          <p:cNvPr id="8" name="TextBox 7"/>
+          <p:cNvSpPr txBox="1"/>
+          <p:nvPr/>
+        </p:nvSpPr>
+        <p:spPr>
+          <a:xfrm>
+            <a:off x="763095" y="1725282"/>
+            <a:ext cx="4850305" cy="3139321"/>
+          </a:xfrm>
+          <a:prstGeom prst="rect">
+            <a:avLst/>
+          </a:prstGeom>
+          <a:noFill/>
+        </p:spPr>
+        <p:txBody>
+          <a:bodyPr wrap="square" rtlCol="0">
+            <a:spAutoFit/>
+          </a:bodyPr>
+          <a:lstStyle/>
+          <a:p>
+            <a:pPr marL="342900" indent="-342900">
+              <a:buAutoNum type="arabicPeriod"/>
+            </a:pPr>
+            <a:r>
+              <a:rPr lang="en-US" dirty="0" smtClean="0"/>
+              <a:t>Refactoring code readability</a:t>
+            </a:r>
+          </a:p>
+          <a:p>
+            <a:pPr marL="342900" indent="-342900">
+              <a:buAutoNum type="arabicPeriod"/>
+            </a:pPr>
+            <a:r>
+              <a:rPr lang="en-US" dirty="0" smtClean="0"/>
+              <a:t>Refactoring code perf</a:t>
+            </a:r>
+          </a:p>
+          <a:p>
+            <a:pPr marL="342900" indent="-342900">
+              <a:buAutoNum type="arabicPeriod"/>
+            </a:pPr>
+            <a:r>
+              <a:rPr lang="en-US" dirty="0" smtClean="0"/>
+              <a:t>Refactoring deployment and monitoring</a:t>
+            </a:r>
+          </a:p>
+          <a:p>
+            <a:pPr marL="342900" indent="-342900">
+              <a:buAutoNum type="arabicPeriod"/>
+            </a:pPr>
+            <a:endParaRPr lang="en-GB" dirty="0" smtClean="0"/>
+          </a:p>
+          <a:p>
+            <a:r>
+              <a:rPr lang="en-GB" dirty="0" smtClean="0"/>
+              <a:t>1.Rename things - palindrome</a:t>
+            </a:r>
+            <a:endParaRPr lang="en-GB" dirty="0" smtClean="0"/>
+          </a:p>
+          <a:p>
+            <a:r>
+              <a:rPr lang="en-GB" dirty="0" smtClean="0"/>
+              <a:t>2.Kill zombies (nearly dead) </a:t>
+            </a:r>
+          </a:p>
+          <a:p>
+            <a:r>
+              <a:rPr lang="en-GB" smtClean="0"/>
+              <a:t>3.Favour </a:t>
+            </a:r>
+            <a:r>
+              <a:rPr lang="en-GB" smtClean="0"/>
+              <a:t>less code</a:t>
+            </a:r>
+            <a:r>
+              <a:rPr lang="en-GB" smtClean="0"/>
+              <a:t> </a:t>
+            </a:r>
+            <a:endParaRPr lang="en-GB" dirty="0" smtClean="0"/>
+          </a:p>
+          <a:p>
+            <a:r>
+              <a:rPr lang="en-GB" dirty="0" smtClean="0"/>
+              <a:t>4.Minimise comments</a:t>
+            </a:r>
+          </a:p>
+          <a:p>
+            <a:endParaRPr lang="en-GB" dirty="0" smtClean="0"/>
+          </a:p>
+          <a:p>
+            <a:r>
+              <a:rPr lang="en-GB" sz="3600" dirty="0" smtClean="0">
+                <a:solidFill>
+                  <a:srgbClr val="0070C0"/>
+                </a:solidFill>
+              </a:rPr>
+              <a:t>Questions? </a:t>
+            </a:r>
+            <a:endParaRPr lang="en-GB" sz="3600" dirty="0">
+              <a:solidFill>
+                <a:srgbClr val="0070C0"/>
+              </a:solidFill>
+            </a:endParaRPr>
+          </a:p>
+        </p:txBody>
+      </p:sp>
+      <p:pic>
+        <p:nvPicPr>
+          <p:cNvPr id="9" name="Picture 2" descr="WTFs/m."/>
+          <p:cNvPicPr>
+            <a:picLocks noChangeAspect="1" noChangeArrowheads="1"/>
+          </p:cNvPicPr>
+          <p:nvPr/>
+        </p:nvPicPr>
+        <p:blipFill>
+          <a:blip r:embed="rId2">
+            <a:extLst>
+              <a:ext uri="{28A0092B-C50C-407E-A947-70E740481C1C}">
+                <a14:useLocalDpi xmlns:a14="http://schemas.microsoft.com/office/drawing/2010/main" val="0"/>
+              </a:ext>
+            </a:extLst>
+          </a:blip>
+          <a:srcRect/>
+          <a:stretch>
+            <a:fillRect/>
+          </a:stretch>
+        </p:blipFill>
+        <p:spPr bwMode="auto">
+          <a:xfrm>
+            <a:off x="5744193" y="30371"/>
+            <a:ext cx="6341415" cy="5973614"/>
+          </a:xfrm>
+          <a:prstGeom prst="rect">
+            <a:avLst/>
+          </a:prstGeom>
+          <a:noFill/>
+          <a:extLst>
+            <a:ext uri="{909E8E84-426E-40DD-AFC4-6F175D3DCCD1}">
+              <a14:hiddenFill xmlns:a14="http://schemas.microsoft.com/office/drawing/2010/main">
+                <a:solidFill>
+                  <a:srgbClr val="FFFFFF"/>
+                </a:solidFill>
+              </a14:hiddenFill>
+            </a:ext>
+          </a:extLst>
+        </p:spPr>
+      </p:pic>
+      <p:sp>
+        <p:nvSpPr>
+          <p:cNvPr id="2" name="Rectangle 1"/>
+          <p:cNvSpPr/>
+          <p:nvPr/>
+        </p:nvSpPr>
+        <p:spPr>
+          <a:xfrm>
+            <a:off x="763095" y="6241063"/>
+            <a:ext cx="2295821" cy="461665"/>
+          </a:xfrm>
+          <a:prstGeom prst="rect">
+            <a:avLst/>
+          </a:prstGeom>
+        </p:spPr>
+        <p:txBody>
+          <a:bodyPr wrap="none">
+            <a:spAutoFit/>
+          </a:bodyPr>
+          <a:lstStyle/>
+          <a:p>
+            <a:r>
+              <a:rPr lang="en-US" sz="2400" dirty="0" smtClean="0"/>
+              <a:t>@</a:t>
+            </a:r>
+            <a:r>
+              <a:rPr lang="en-US" sz="2400" dirty="0" err="1" smtClean="0"/>
+              <a:t>dave_mateer</a:t>
+            </a:r>
+            <a:endParaRPr lang="en-US" sz="2400" dirty="0"/>
+          </a:p>
+        </p:txBody>
+      </p:sp>
+      <p:sp>
+        <p:nvSpPr>
+          <p:cNvPr id="6" name="Rectangle 5"/>
+          <p:cNvSpPr/>
+          <p:nvPr/>
+        </p:nvSpPr>
+        <p:spPr>
+          <a:xfrm>
+            <a:off x="7010880" y="6249597"/>
+            <a:ext cx="4976042" cy="461665"/>
+          </a:xfrm>
+          <a:prstGeom prst="rect">
+            <a:avLst/>
+          </a:prstGeom>
+        </p:spPr>
+        <p:txBody>
+          <a:bodyPr wrap="none">
+            <a:spAutoFit/>
+          </a:bodyPr>
+          <a:lstStyle/>
+          <a:p>
+            <a:r>
+              <a:rPr lang="en-US" sz="2400" dirty="0" smtClean="0"/>
+              <a:t>http://refactoring.azurewebsites.net</a:t>
+            </a:r>
+            <a:endParaRPr lang="en-US" sz="2400" dirty="0"/>
+          </a:p>
+        </p:txBody>
+      </p:sp>
+    </p:spTree>
+    <p:extLst>
+      <p:ext uri="{BB962C8B-B14F-4D97-AF65-F5344CB8AC3E}">
+        <p14:creationId xmlns:p14="http://schemas.microsoft.com/office/powerpoint/2010/main" val="3243764467"/>
       </p:ext>
     </p:extLst>
   </p:cSld>
